--- a/Other-Files/PIR-motion-sensor.pptx
+++ b/Other-Files/PIR-motion-sensor.pptx
@@ -5,16 +5,18 @@
     <p:sldMasterId id="2147483672" r:id="rId1"/>
   </p:sldMasterIdLst>
   <p:notesMasterIdLst>
-    <p:notesMasterId r:id="rId9"/>
+    <p:notesMasterId r:id="rId11"/>
   </p:notesMasterIdLst>
   <p:sldIdLst>
     <p:sldId id="256" r:id="rId2"/>
     <p:sldId id="258" r:id="rId3"/>
-    <p:sldId id="259" r:id="rId4"/>
+    <p:sldId id="265" r:id="rId4"/>
     <p:sldId id="262" r:id="rId5"/>
-    <p:sldId id="260" r:id="rId6"/>
-    <p:sldId id="261" r:id="rId7"/>
-    <p:sldId id="257" r:id="rId8"/>
+    <p:sldId id="263" r:id="rId6"/>
+    <p:sldId id="264" r:id="rId7"/>
+    <p:sldId id="261" r:id="rId8"/>
+    <p:sldId id="257" r:id="rId9"/>
+    <p:sldId id="260" r:id="rId10"/>
   </p:sldIdLst>
   <p:sldSz cx="12192000" cy="6858000"/>
   <p:notesSz cx="6858000" cy="9144000"/>
@@ -113,6 +115,11 @@
       </a:defRPr>
     </a:lvl9pPr>
   </p:defaultTextStyle>
+  <p:extLst>
+    <p:ext uri="{EFAFB233-063F-42B5-8137-9DF3F51BA10A}">
+      <p15:sldGuideLst xmlns:p15="http://schemas.microsoft.com/office/powerpoint/2012/main"/>
+    </p:ext>
+  </p:extLst>
 </p:presentation>
 </file>
 
@@ -198,7 +205,7 @@
           <a:p>
             <a:fld id="{E7FF20FD-074C-4D04-9289-F6BCC9812F26}" type="datetimeFigureOut">
               <a:rPr lang="en-US" smtClean="0"/>
-              <a:t>2/27/2022</a:t>
+              <a:t>3/6/2022</a:t>
             </a:fld>
             <a:endParaRPr lang="en-US"/>
           </a:p>
@@ -604,12 +611,14 @@
           <a:lstStyle/>
           <a:p>
             <a:r>
-              <a:rPr lang="en-US" dirty="0"/>
-              <a:t>How the sensor works: including the pyroelectric sensor and the Fresnel </a:t>
-            </a:r>
-            <a:r>
-              <a:rPr lang="en-US" dirty="0" err="1"/>
-              <a:t>lense</a:t>
+              <a:rPr lang="en-US" b="0" i="0" dirty="0">
+                <a:solidFill>
+                  <a:srgbClr val="333333"/>
+                </a:solidFill>
+                <a:effectLst/>
+                <a:latin typeface="Segoe UI" panose="020B0502040204020203" pitchFamily="34" charset="0"/>
+              </a:rPr>
+              <a:t>https://lastminuteengineers.com/pir-sensor-arduino-tutorial/</a:t>
             </a:r>
             <a:endParaRPr lang="en-US" dirty="0"/>
           </a:p>
@@ -641,7 +650,94 @@
     </p:spTree>
     <p:extLst>
       <p:ext uri="{BB962C8B-B14F-4D97-AF65-F5344CB8AC3E}">
-        <p14:creationId xmlns:p14="http://schemas.microsoft.com/office/powerpoint/2010/main" val="976556313"/>
+        <p14:creationId xmlns:p14="http://schemas.microsoft.com/office/powerpoint/2010/main" val="3576275363"/>
+      </p:ext>
+    </p:extLst>
+  </p:cSld>
+  <p:clrMapOvr>
+    <a:masterClrMapping/>
+  </p:clrMapOvr>
+</p:notes>
+</file>
+
+<file path=ppt/notesSlides/notesSlide3.xml><?xml version="1.0" encoding="utf-8"?>
+<p:notes xmlns:a="http://schemas.openxmlformats.org/drawingml/2006/main" xmlns:r="http://schemas.openxmlformats.org/officeDocument/2006/relationships" xmlns:p="http://schemas.openxmlformats.org/presentationml/2006/main">
+  <p:cSld>
+    <p:spTree>
+      <p:nvGrpSpPr>
+        <p:cNvPr id="1" name=""/>
+        <p:cNvGrpSpPr/>
+        <p:nvPr/>
+      </p:nvGrpSpPr>
+      <p:grpSpPr>
+        <a:xfrm>
+          <a:off x="0" y="0"/>
+          <a:ext cx="0" cy="0"/>
+          <a:chOff x="0" y="0"/>
+          <a:chExt cx="0" cy="0"/>
+        </a:xfrm>
+      </p:grpSpPr>
+      <p:sp>
+        <p:nvSpPr>
+          <p:cNvPr id="2" name="Slide Image Placeholder 1"/>
+          <p:cNvSpPr>
+            <a:spLocks noGrp="1" noRot="1" noChangeAspect="1"/>
+          </p:cNvSpPr>
+          <p:nvPr>
+            <p:ph type="sldImg"/>
+          </p:nvPr>
+        </p:nvSpPr>
+        <p:spPr/>
+      </p:sp>
+      <p:sp>
+        <p:nvSpPr>
+          <p:cNvPr id="3" name="Notes Placeholder 2"/>
+          <p:cNvSpPr>
+            <a:spLocks noGrp="1"/>
+          </p:cNvSpPr>
+          <p:nvPr>
+            <p:ph type="body" idx="1"/>
+          </p:nvPr>
+        </p:nvSpPr>
+        <p:spPr/>
+        <p:txBody>
+          <a:bodyPr/>
+          <a:lstStyle/>
+          <a:p>
+            <a:r>
+              <a:rPr lang="en-US" dirty="0"/>
+              <a:t>https://arduinogetstarted.com/tutorials/arduino-motion-sensor</a:t>
+            </a:r>
+          </a:p>
+        </p:txBody>
+      </p:sp>
+      <p:sp>
+        <p:nvSpPr>
+          <p:cNvPr id="4" name="Slide Number Placeholder 3"/>
+          <p:cNvSpPr>
+            <a:spLocks noGrp="1"/>
+          </p:cNvSpPr>
+          <p:nvPr>
+            <p:ph type="sldNum" sz="quarter" idx="5"/>
+          </p:nvPr>
+        </p:nvSpPr>
+        <p:spPr/>
+        <p:txBody>
+          <a:bodyPr/>
+          <a:lstStyle/>
+          <a:p>
+            <a:fld id="{0CD2E304-D330-4E5A-AB01-51DB9EB55F6B}" type="slidenum">
+              <a:rPr lang="en-US" smtClean="0"/>
+              <a:t>9</a:t>
+            </a:fld>
+            <a:endParaRPr lang="en-US"/>
+          </a:p>
+        </p:txBody>
+      </p:sp>
+    </p:spTree>
+    <p:extLst>
+      <p:ext uri="{BB962C8B-B14F-4D97-AF65-F5344CB8AC3E}">
+        <p14:creationId xmlns:p14="http://schemas.microsoft.com/office/powerpoint/2010/main" val="1459750020"/>
       </p:ext>
     </p:extLst>
   </p:cSld>
@@ -782,7 +878,7 @@
           <a:p>
             <a:fld id="{6C1C69F1-7DD2-4E79-985B-86469A1EC182}" type="datetimeFigureOut">
               <a:rPr lang="en-US" smtClean="0"/>
-              <a:t>2/27/2022</a:t>
+              <a:t>3/6/2022</a:t>
             </a:fld>
             <a:endParaRPr lang="en-US"/>
           </a:p>
@@ -952,7 +1048,7 @@
           <a:p>
             <a:fld id="{6C1C69F1-7DD2-4E79-985B-86469A1EC182}" type="datetimeFigureOut">
               <a:rPr lang="en-US" smtClean="0"/>
-              <a:t>2/27/2022</a:t>
+              <a:t>3/6/2022</a:t>
             </a:fld>
             <a:endParaRPr lang="en-US"/>
           </a:p>
@@ -1132,7 +1228,7 @@
           <a:p>
             <a:fld id="{6C1C69F1-7DD2-4E79-985B-86469A1EC182}" type="datetimeFigureOut">
               <a:rPr lang="en-US" smtClean="0"/>
-              <a:t>2/27/2022</a:t>
+              <a:t>3/6/2022</a:t>
             </a:fld>
             <a:endParaRPr lang="en-US"/>
           </a:p>
@@ -1302,7 +1398,7 @@
           <a:p>
             <a:fld id="{6C1C69F1-7DD2-4E79-985B-86469A1EC182}" type="datetimeFigureOut">
               <a:rPr lang="en-US" smtClean="0"/>
-              <a:t>2/27/2022</a:t>
+              <a:t>3/6/2022</a:t>
             </a:fld>
             <a:endParaRPr lang="en-US"/>
           </a:p>
@@ -1548,7 +1644,7 @@
           <a:p>
             <a:fld id="{6C1C69F1-7DD2-4E79-985B-86469A1EC182}" type="datetimeFigureOut">
               <a:rPr lang="en-US" smtClean="0"/>
-              <a:t>2/27/2022</a:t>
+              <a:t>3/6/2022</a:t>
             </a:fld>
             <a:endParaRPr lang="en-US"/>
           </a:p>
@@ -1780,7 +1876,7 @@
           <a:p>
             <a:fld id="{6C1C69F1-7DD2-4E79-985B-86469A1EC182}" type="datetimeFigureOut">
               <a:rPr lang="en-US" smtClean="0"/>
-              <a:t>2/27/2022</a:t>
+              <a:t>3/6/2022</a:t>
             </a:fld>
             <a:endParaRPr lang="en-US"/>
           </a:p>
@@ -2147,7 +2243,7 @@
           <a:p>
             <a:fld id="{6C1C69F1-7DD2-4E79-985B-86469A1EC182}" type="datetimeFigureOut">
               <a:rPr lang="en-US" smtClean="0"/>
-              <a:t>2/27/2022</a:t>
+              <a:t>3/6/2022</a:t>
             </a:fld>
             <a:endParaRPr lang="en-US"/>
           </a:p>
@@ -2265,7 +2361,7 @@
           <a:p>
             <a:fld id="{6C1C69F1-7DD2-4E79-985B-86469A1EC182}" type="datetimeFigureOut">
               <a:rPr lang="en-US" smtClean="0"/>
-              <a:t>2/27/2022</a:t>
+              <a:t>3/6/2022</a:t>
             </a:fld>
             <a:endParaRPr lang="en-US"/>
           </a:p>
@@ -2360,7 +2456,7 @@
           <a:p>
             <a:fld id="{6C1C69F1-7DD2-4E79-985B-86469A1EC182}" type="datetimeFigureOut">
               <a:rPr lang="en-US" smtClean="0"/>
-              <a:t>2/27/2022</a:t>
+              <a:t>3/6/2022</a:t>
             </a:fld>
             <a:endParaRPr lang="en-US"/>
           </a:p>
@@ -2637,7 +2733,7 @@
           <a:p>
             <a:fld id="{6C1C69F1-7DD2-4E79-985B-86469A1EC182}" type="datetimeFigureOut">
               <a:rPr lang="en-US" smtClean="0"/>
-              <a:t>2/27/2022</a:t>
+              <a:t>3/6/2022</a:t>
             </a:fld>
             <a:endParaRPr lang="en-US"/>
           </a:p>
@@ -2894,7 +2990,7 @@
           <a:p>
             <a:fld id="{6C1C69F1-7DD2-4E79-985B-86469A1EC182}" type="datetimeFigureOut">
               <a:rPr lang="en-US" smtClean="0"/>
-              <a:t>2/27/2022</a:t>
+              <a:t>3/6/2022</a:t>
             </a:fld>
             <a:endParaRPr lang="en-US"/>
           </a:p>
@@ -3107,7 +3203,7 @@
           <a:p>
             <a:fld id="{6C1C69F1-7DD2-4E79-985B-86469A1EC182}" type="datetimeFigureOut">
               <a:rPr lang="en-US" smtClean="0"/>
-              <a:t>2/27/2022</a:t>
+              <a:t>3/6/2022</a:t>
             </a:fld>
             <a:endParaRPr lang="en-US"/>
           </a:p>
@@ -3528,20 +3624,22 @@
             <p:ph type="ctrTitle"/>
           </p:nvPr>
         </p:nvSpPr>
-        <p:spPr/>
+        <p:spPr>
+          <a:xfrm>
+            <a:off x="1393371" y="1041400"/>
+            <a:ext cx="9144000" cy="2387600"/>
+          </a:xfrm>
+        </p:spPr>
         <p:txBody>
           <a:bodyPr/>
           <a:lstStyle/>
           <a:p>
             <a:r>
-              <a:rPr lang="en-US">
-                <a:latin typeface="Algerian" panose="04020705040A02060702" pitchFamily="82" charset="0"/>
+              <a:rPr lang="en-US" dirty="0">
+                <a:latin typeface="Bahnschrift Light" panose="020B0502040204020203" pitchFamily="34" charset="0"/>
               </a:rPr>
               <a:t>PIR Motion Sensor</a:t>
             </a:r>
-            <a:endParaRPr lang="en-US" dirty="0">
-              <a:latin typeface="Algerian" panose="04020705040A02060702" pitchFamily="82" charset="0"/>
-            </a:endParaRPr>
           </a:p>
         </p:txBody>
       </p:sp>
@@ -3572,10 +3670,14 @@
           <a:lstStyle/>
           <a:p>
             <a:r>
-              <a:rPr lang="en-US"/>
+              <a:rPr lang="en-US">
+                <a:latin typeface="Bahnschrift Light" panose="020B0502040204020203" pitchFamily="34" charset="0"/>
+              </a:rPr>
               <a:t>Presenter: Nhu Phan</a:t>
             </a:r>
-            <a:endParaRPr lang="en-US" dirty="0"/>
+            <a:endParaRPr lang="en-US" dirty="0">
+              <a:latin typeface="Bahnschrift Light" panose="020B0502040204020203" pitchFamily="34" charset="0"/>
+            </a:endParaRPr>
           </a:p>
         </p:txBody>
       </p:sp>
@@ -3595,6 +3697,14 @@
 <file path=ppt/slides/slide2.xml><?xml version="1.0" encoding="utf-8"?>
 <p:sld xmlns:a="http://schemas.openxmlformats.org/drawingml/2006/main" xmlns:r="http://schemas.openxmlformats.org/officeDocument/2006/relationships" xmlns:p="http://schemas.openxmlformats.org/presentationml/2006/main">
   <p:cSld>
+    <p:bg>
+      <p:bgPr>
+        <a:solidFill>
+          <a:schemeClr val="bg1"/>
+        </a:solidFill>
+        <a:effectLst/>
+      </p:bgPr>
+    </p:bg>
     <p:spTree>
       <p:nvGrpSpPr>
         <p:cNvPr id="1" name=""/>
@@ -3609,6 +3719,127 @@
           <a:chExt cx="0" cy="0"/>
         </a:xfrm>
       </p:grpSpPr>
+      <p:cxnSp>
+        <p:nvCxnSpPr>
+          <p:cNvPr id="19" name="Straight Connector 18">
+            <a:extLst>
+              <a:ext uri="{FF2B5EF4-FFF2-40B4-BE49-F238E27FC236}">
+                <a16:creationId xmlns:a16="http://schemas.microsoft.com/office/drawing/2014/main" id="{D2E961F1-4A28-4A5F-BBD4-6E400E5E6C75}"/>
+              </a:ext>
+              <a:ext uri="{C183D7F6-B498-43B3-948B-1728B52AA6E4}">
+                <adec:decorative xmlns:adec="http://schemas.microsoft.com/office/drawing/2017/decorative" val="1"/>
+              </a:ext>
+            </a:extLst>
+          </p:cNvPr>
+          <p:cNvCxnSpPr>
+            <a:cxnSpLocks noGrp="1" noRot="1" noChangeAspect="1" noMove="1" noResize="1" noEditPoints="1" noAdjustHandles="1" noChangeArrowheads="1" noChangeShapeType="1"/>
+          </p:cNvCxnSpPr>
+          <p:nvPr>
+            <p:extLst>
+              <p:ext uri="{386F3935-93C4-4BCD-93E2-E3B085C9AB24}">
+                <p16:designElem xmlns:p16="http://schemas.microsoft.com/office/powerpoint/2015/main" val="1"/>
+              </p:ext>
+            </p:extLst>
+          </p:nvPr>
+        </p:nvCxnSpPr>
+        <p:spPr bwMode="white">
+          <a:xfrm>
+            <a:off x="0" y="272357"/>
+            <a:ext cx="12188824" cy="0"/>
+          </a:xfrm>
+          <a:prstGeom prst="line">
+            <a:avLst/>
+          </a:prstGeom>
+          <a:ln w="50800">
+            <a:solidFill>
+              <a:schemeClr val="tx1">
+                <a:lumMod val="75000"/>
+                <a:lumOff val="25000"/>
+              </a:schemeClr>
+            </a:solidFill>
+          </a:ln>
+        </p:spPr>
+        <p:style>
+          <a:lnRef idx="1">
+            <a:schemeClr val="accent1"/>
+          </a:lnRef>
+          <a:fillRef idx="0">
+            <a:schemeClr val="accent1"/>
+          </a:fillRef>
+          <a:effectRef idx="0">
+            <a:schemeClr val="accent1"/>
+          </a:effectRef>
+          <a:fontRef idx="minor">
+            <a:schemeClr val="tx1"/>
+          </a:fontRef>
+        </p:style>
+      </p:cxnSp>
+      <p:sp>
+        <p:nvSpPr>
+          <p:cNvPr id="30" name="Rectangle 20">
+            <a:extLst>
+              <a:ext uri="{FF2B5EF4-FFF2-40B4-BE49-F238E27FC236}">
+                <a16:creationId xmlns:a16="http://schemas.microsoft.com/office/drawing/2014/main" id="{7F57BEA8-497D-4AA8-8A18-BDCD696B25FE}"/>
+              </a:ext>
+              <a:ext uri="{C183D7F6-B498-43B3-948B-1728B52AA6E4}">
+                <adec:decorative xmlns:adec="http://schemas.microsoft.com/office/drawing/2017/decorative" val="1"/>
+              </a:ext>
+            </a:extLst>
+          </p:cNvPr>
+          <p:cNvSpPr>
+            <a:spLocks noGrp="1" noRot="1" noChangeAspect="1" noMove="1" noResize="1" noEditPoints="1" noAdjustHandles="1" noChangeArrowheads="1" noChangeShapeType="1" noTextEdit="1"/>
+          </p:cNvSpPr>
+          <p:nvPr>
+            <p:extLst>
+              <p:ext uri="{386F3935-93C4-4BCD-93E2-E3B085C9AB24}">
+                <p16:designElem xmlns:p16="http://schemas.microsoft.com/office/powerpoint/2015/main" val="1"/>
+              </p:ext>
+            </p:extLst>
+          </p:nvPr>
+        </p:nvSpPr>
+        <p:spPr>
+          <a:xfrm>
+            <a:off x="0" y="368596"/>
+            <a:ext cx="12192000" cy="1735555"/>
+          </a:xfrm>
+          <a:prstGeom prst="rect">
+            <a:avLst/>
+          </a:prstGeom>
+          <a:solidFill>
+            <a:schemeClr val="tx1">
+              <a:lumMod val="75000"/>
+              <a:lumOff val="25000"/>
+            </a:schemeClr>
+          </a:solidFill>
+          <a:ln>
+            <a:noFill/>
+          </a:ln>
+        </p:spPr>
+        <p:style>
+          <a:lnRef idx="2">
+            <a:schemeClr val="accent1">
+              <a:shade val="50000"/>
+            </a:schemeClr>
+          </a:lnRef>
+          <a:fillRef idx="1">
+            <a:schemeClr val="accent1"/>
+          </a:fillRef>
+          <a:effectRef idx="0">
+            <a:schemeClr val="accent1"/>
+          </a:effectRef>
+          <a:fontRef idx="minor">
+            <a:schemeClr val="lt1"/>
+          </a:fontRef>
+        </p:style>
+        <p:txBody>
+          <a:bodyPr rtlCol="0" anchor="ctr"/>
+          <a:lstStyle/>
+          <a:p>
+            <a:pPr algn="ctr"/>
+            <a:endParaRPr lang="en-US"/>
+          </a:p>
+        </p:txBody>
+      </p:sp>
       <p:sp>
         <p:nvSpPr>
           <p:cNvPr id="2" name="Title 1">
@@ -3625,19 +3856,236 @@
             <p:ph type="title"/>
           </p:nvPr>
         </p:nvSpPr>
-        <p:spPr/>
-        <p:txBody>
-          <a:bodyPr/>
+        <p:spPr>
+          <a:xfrm>
+            <a:off x="687998" y="549286"/>
+            <a:ext cx="11139854" cy="930447"/>
+          </a:xfrm>
+        </p:spPr>
+        <p:txBody>
+          <a:bodyPr vert="horz" lIns="91440" tIns="45720" rIns="91440" bIns="45720" rtlCol="0" anchor="b">
+            <a:normAutofit/>
+          </a:bodyPr>
           <a:lstStyle/>
           <a:p>
             <a:pPr algn="ctr"/>
             <a:r>
-              <a:rPr lang="en-US" dirty="0"/>
+              <a:rPr lang="en-US" sz="5400" kern="1200">
+                <a:solidFill>
+                  <a:schemeClr val="bg1"/>
+                </a:solidFill>
+                <a:latin typeface="+mj-lt"/>
+                <a:ea typeface="+mj-ea"/>
+                <a:cs typeface="+mj-cs"/>
+              </a:rPr>
               <a:t>Why you need PIR Motion Sensor?</a:t>
             </a:r>
           </a:p>
         </p:txBody>
       </p:sp>
+      <p:cxnSp>
+        <p:nvCxnSpPr>
+          <p:cNvPr id="23" name="Straight Connector 22">
+            <a:extLst>
+              <a:ext uri="{FF2B5EF4-FFF2-40B4-BE49-F238E27FC236}">
+                <a16:creationId xmlns:a16="http://schemas.microsoft.com/office/drawing/2014/main" id="{A82415D3-DDE5-4D63-8CB3-23A5EC581B27}"/>
+              </a:ext>
+              <a:ext uri="{C183D7F6-B498-43B3-948B-1728B52AA6E4}">
+                <adec:decorative xmlns:adec="http://schemas.microsoft.com/office/drawing/2017/decorative" val="1"/>
+              </a:ext>
+            </a:extLst>
+          </p:cNvPr>
+          <p:cNvCxnSpPr>
+            <a:cxnSpLocks noGrp="1" noRot="1" noChangeAspect="1" noMove="1" noResize="1" noEditPoints="1" noAdjustHandles="1" noChangeArrowheads="1" noChangeShapeType="1"/>
+          </p:cNvCxnSpPr>
+          <p:nvPr>
+            <p:extLst>
+              <p:ext uri="{386F3935-93C4-4BCD-93E2-E3B085C9AB24}">
+                <p16:designElem xmlns:p16="http://schemas.microsoft.com/office/powerpoint/2015/main" val="1"/>
+              </p:ext>
+            </p:extLst>
+          </p:nvPr>
+        </p:nvCxnSpPr>
+        <p:spPr>
+          <a:xfrm>
+            <a:off x="4724400" y="1479733"/>
+            <a:ext cx="2743200" cy="0"/>
+          </a:xfrm>
+          <a:prstGeom prst="line">
+            <a:avLst/>
+          </a:prstGeom>
+          <a:ln w="19050">
+            <a:solidFill>
+              <a:schemeClr val="bg1">
+                <a:alpha val="75000"/>
+              </a:schemeClr>
+            </a:solidFill>
+          </a:ln>
+        </p:spPr>
+        <p:style>
+          <a:lnRef idx="1">
+            <a:schemeClr val="accent1"/>
+          </a:lnRef>
+          <a:fillRef idx="0">
+            <a:schemeClr val="accent1"/>
+          </a:fillRef>
+          <a:effectRef idx="0">
+            <a:schemeClr val="accent1"/>
+          </a:effectRef>
+          <a:fontRef idx="minor">
+            <a:schemeClr val="tx1"/>
+          </a:fontRef>
+        </p:style>
+      </p:cxnSp>
+      <p:cxnSp>
+        <p:nvCxnSpPr>
+          <p:cNvPr id="25" name="Straight Connector 24">
+            <a:extLst>
+              <a:ext uri="{FF2B5EF4-FFF2-40B4-BE49-F238E27FC236}">
+                <a16:creationId xmlns:a16="http://schemas.microsoft.com/office/drawing/2014/main" id="{AD7193FB-6AE6-4B3B-8F89-56B55DD63B4D}"/>
+              </a:ext>
+              <a:ext uri="{C183D7F6-B498-43B3-948B-1728B52AA6E4}">
+                <adec:decorative xmlns:adec="http://schemas.microsoft.com/office/drawing/2017/decorative" val="1"/>
+              </a:ext>
+            </a:extLst>
+          </p:cNvPr>
+          <p:cNvCxnSpPr>
+            <a:cxnSpLocks noGrp="1" noRot="1" noChangeAspect="1" noMove="1" noResize="1" noEditPoints="1" noAdjustHandles="1" noChangeArrowheads="1" noChangeShapeType="1"/>
+          </p:cNvCxnSpPr>
+          <p:nvPr>
+            <p:extLst>
+              <p:ext uri="{386F3935-93C4-4BCD-93E2-E3B085C9AB24}">
+                <p16:designElem xmlns:p16="http://schemas.microsoft.com/office/powerpoint/2015/main" val="1"/>
+              </p:ext>
+            </p:extLst>
+          </p:nvPr>
+        </p:nvCxnSpPr>
+        <p:spPr bwMode="white">
+          <a:xfrm>
+            <a:off x="0" y="2201402"/>
+            <a:ext cx="12188824" cy="0"/>
+          </a:xfrm>
+          <a:prstGeom prst="line">
+            <a:avLst/>
+          </a:prstGeom>
+          <a:ln w="50800">
+            <a:solidFill>
+              <a:schemeClr val="tx1">
+                <a:lumMod val="75000"/>
+                <a:lumOff val="25000"/>
+              </a:schemeClr>
+            </a:solidFill>
+          </a:ln>
+        </p:spPr>
+        <p:style>
+          <a:lnRef idx="1">
+            <a:schemeClr val="accent1"/>
+          </a:lnRef>
+          <a:fillRef idx="0">
+            <a:schemeClr val="accent1"/>
+          </a:fillRef>
+          <a:effectRef idx="0">
+            <a:schemeClr val="accent1"/>
+          </a:effectRef>
+          <a:fontRef idx="minor">
+            <a:schemeClr val="tx1"/>
+          </a:fontRef>
+        </p:style>
+      </p:cxnSp>
+      <p:pic>
+        <p:nvPicPr>
+          <p:cNvPr id="1026" name="Picture 2" descr="Motion Detection Using Arduino, PIR Sensor and Algorithms in SMART  Environments | by Nerdan | Python in Plain English">
+            <a:extLst>
+              <a:ext uri="{FF2B5EF4-FFF2-40B4-BE49-F238E27FC236}">
+                <a16:creationId xmlns:a16="http://schemas.microsoft.com/office/drawing/2014/main" id="{ABC84509-25C5-46A3-87D3-AB628509792C}"/>
+              </a:ext>
+            </a:extLst>
+          </p:cNvPr>
+          <p:cNvPicPr>
+            <a:picLocks noChangeAspect="1" noChangeArrowheads="1"/>
+          </p:cNvPicPr>
+          <p:nvPr/>
+        </p:nvPicPr>
+        <p:blipFill>
+          <a:blip r:embed="rId3">
+            <a:extLst>
+              <a:ext uri="{28A0092B-C50C-407E-A947-70E740481C1C}">
+                <a14:useLocalDpi xmlns:a14="http://schemas.microsoft.com/office/drawing/2010/main" val="0"/>
+              </a:ext>
+            </a:extLst>
+          </a:blip>
+          <a:srcRect/>
+          <a:stretch>
+            <a:fillRect/>
+          </a:stretch>
+        </p:blipFill>
+        <p:spPr bwMode="auto">
+          <a:xfrm>
+            <a:off x="2197144" y="2714227"/>
+            <a:ext cx="2074201" cy="3388995"/>
+          </a:xfrm>
+          <a:prstGeom prst="rect">
+            <a:avLst/>
+          </a:prstGeom>
+          <a:noFill/>
+          <a:extLst>
+            <a:ext uri="{909E8E84-426E-40DD-AFC4-6F175D3DCCD1}">
+              <a14:hiddenFill xmlns:a14="http://schemas.microsoft.com/office/drawing/2010/main">
+                <a:solidFill>
+                  <a:srgbClr val="FFFFFF"/>
+                </a:solidFill>
+              </a14:hiddenFill>
+            </a:ext>
+          </a:extLst>
+        </p:spPr>
+      </p:pic>
+      <p:pic>
+        <p:nvPicPr>
+          <p:cNvPr id="1028" name="Picture 4" descr="Led Ceiling Lamp With Sensor PIR Motion Sensor Ceiling Light 110V 220V Smart  Home Lights 15W 20W 30W 50W For Room Stairs Hallway|Ceiling Lights| -  AliExpress">
+            <a:extLst>
+              <a:ext uri="{FF2B5EF4-FFF2-40B4-BE49-F238E27FC236}">
+                <a16:creationId xmlns:a16="http://schemas.microsoft.com/office/drawing/2014/main" id="{72C6A93F-C3C5-4722-B05D-572E17D4D1E4}"/>
+              </a:ext>
+            </a:extLst>
+          </p:cNvPr>
+          <p:cNvPicPr>
+            <a:picLocks noChangeAspect="1" noChangeArrowheads="1"/>
+          </p:cNvPicPr>
+          <p:nvPr/>
+        </p:nvPicPr>
+        <p:blipFill>
+          <a:blip r:embed="rId4">
+            <a:extLst>
+              <a:ext uri="{28A0092B-C50C-407E-A947-70E740481C1C}">
+                <a14:useLocalDpi xmlns:a14="http://schemas.microsoft.com/office/drawing/2010/main" val="0"/>
+              </a:ext>
+            </a:extLst>
+          </a:blip>
+          <a:srcRect/>
+          <a:stretch>
+            <a:fillRect/>
+          </a:stretch>
+        </p:blipFill>
+        <p:spPr bwMode="auto">
+          <a:xfrm>
+            <a:off x="6094412" y="2479724"/>
+            <a:ext cx="3718559" cy="3718559"/>
+          </a:xfrm>
+          <a:prstGeom prst="rect">
+            <a:avLst/>
+          </a:prstGeom>
+          <a:noFill/>
+          <a:extLst>
+            <a:ext uri="{909E8E84-426E-40DD-AFC4-6F175D3DCCD1}">
+              <a14:hiddenFill xmlns:a14="http://schemas.microsoft.com/office/drawing/2010/main">
+                <a:solidFill>
+                  <a:srgbClr val="FFFFFF"/>
+                </a:solidFill>
+              </a14:hiddenFill>
+            </a:ext>
+          </a:extLst>
+        </p:spPr>
+      </p:pic>
     </p:spTree>
     <p:extLst>
       <p:ext uri="{BB962C8B-B14F-4D97-AF65-F5344CB8AC3E}">
@@ -3676,12 +4124,133 @@
           <a:chExt cx="0" cy="0"/>
         </a:xfrm>
       </p:grpSpPr>
+      <p:cxnSp>
+        <p:nvCxnSpPr>
+          <p:cNvPr id="8" name="Straight Connector 7">
+            <a:extLst>
+              <a:ext uri="{FF2B5EF4-FFF2-40B4-BE49-F238E27FC236}">
+                <a16:creationId xmlns:a16="http://schemas.microsoft.com/office/drawing/2014/main" id="{D2E961F1-4A28-4A5F-BBD4-6E400E5E6C75}"/>
+              </a:ext>
+              <a:ext uri="{C183D7F6-B498-43B3-948B-1728B52AA6E4}">
+                <adec:decorative xmlns:adec="http://schemas.microsoft.com/office/drawing/2017/decorative" val="1"/>
+              </a:ext>
+            </a:extLst>
+          </p:cNvPr>
+          <p:cNvCxnSpPr>
+            <a:cxnSpLocks noGrp="1" noRot="1" noChangeAspect="1" noMove="1" noResize="1" noEditPoints="1" noAdjustHandles="1" noChangeArrowheads="1" noChangeShapeType="1"/>
+          </p:cNvCxnSpPr>
+          <p:nvPr>
+            <p:extLst>
+              <p:ext uri="{386F3935-93C4-4BCD-93E2-E3B085C9AB24}">
+                <p16:designElem xmlns:p16="http://schemas.microsoft.com/office/powerpoint/2015/main" val="1"/>
+              </p:ext>
+            </p:extLst>
+          </p:nvPr>
+        </p:nvCxnSpPr>
+        <p:spPr bwMode="white">
+          <a:xfrm>
+            <a:off x="0" y="272357"/>
+            <a:ext cx="12188824" cy="0"/>
+          </a:xfrm>
+          <a:prstGeom prst="line">
+            <a:avLst/>
+          </a:prstGeom>
+          <a:ln w="50800">
+            <a:solidFill>
+              <a:schemeClr val="tx1">
+                <a:lumMod val="75000"/>
+                <a:lumOff val="25000"/>
+              </a:schemeClr>
+            </a:solidFill>
+          </a:ln>
+        </p:spPr>
+        <p:style>
+          <a:lnRef idx="1">
+            <a:schemeClr val="accent1"/>
+          </a:lnRef>
+          <a:fillRef idx="0">
+            <a:schemeClr val="accent1"/>
+          </a:fillRef>
+          <a:effectRef idx="0">
+            <a:schemeClr val="accent1"/>
+          </a:effectRef>
+          <a:fontRef idx="minor">
+            <a:schemeClr val="tx1"/>
+          </a:fontRef>
+        </p:style>
+      </p:cxnSp>
+      <p:sp>
+        <p:nvSpPr>
+          <p:cNvPr id="10" name="Rectangle 9">
+            <a:extLst>
+              <a:ext uri="{FF2B5EF4-FFF2-40B4-BE49-F238E27FC236}">
+                <a16:creationId xmlns:a16="http://schemas.microsoft.com/office/drawing/2014/main" id="{7F57BEA8-497D-4AA8-8A18-BDCD696B25FE}"/>
+              </a:ext>
+              <a:ext uri="{C183D7F6-B498-43B3-948B-1728B52AA6E4}">
+                <adec:decorative xmlns:adec="http://schemas.microsoft.com/office/drawing/2017/decorative" val="1"/>
+              </a:ext>
+            </a:extLst>
+          </p:cNvPr>
+          <p:cNvSpPr>
+            <a:spLocks noGrp="1" noRot="1" noChangeAspect="1" noMove="1" noResize="1" noEditPoints="1" noAdjustHandles="1" noChangeArrowheads="1" noChangeShapeType="1" noTextEdit="1"/>
+          </p:cNvSpPr>
+          <p:nvPr>
+            <p:extLst>
+              <p:ext uri="{386F3935-93C4-4BCD-93E2-E3B085C9AB24}">
+                <p16:designElem xmlns:p16="http://schemas.microsoft.com/office/powerpoint/2015/main" val="1"/>
+              </p:ext>
+            </p:extLst>
+          </p:nvPr>
+        </p:nvSpPr>
+        <p:spPr>
+          <a:xfrm>
+            <a:off x="0" y="368596"/>
+            <a:ext cx="12192000" cy="1735555"/>
+          </a:xfrm>
+          <a:prstGeom prst="rect">
+            <a:avLst/>
+          </a:prstGeom>
+          <a:solidFill>
+            <a:schemeClr val="tx1">
+              <a:lumMod val="75000"/>
+              <a:lumOff val="25000"/>
+            </a:schemeClr>
+          </a:solidFill>
+          <a:ln>
+            <a:noFill/>
+          </a:ln>
+        </p:spPr>
+        <p:style>
+          <a:lnRef idx="2">
+            <a:schemeClr val="accent1">
+              <a:shade val="50000"/>
+            </a:schemeClr>
+          </a:lnRef>
+          <a:fillRef idx="1">
+            <a:schemeClr val="accent1"/>
+          </a:fillRef>
+          <a:effectRef idx="0">
+            <a:schemeClr val="accent1"/>
+          </a:effectRef>
+          <a:fontRef idx="minor">
+            <a:schemeClr val="lt1"/>
+          </a:fontRef>
+        </p:style>
+        <p:txBody>
+          <a:bodyPr rtlCol="0" anchor="ctr"/>
+          <a:lstStyle/>
+          <a:p>
+            <a:pPr algn="ctr"/>
+            <a:endParaRPr lang="en-US"/>
+          </a:p>
+        </p:txBody>
+      </p:sp>
       <p:sp>
         <p:nvSpPr>
           <p:cNvPr id="2" name="Title 1">
             <a:extLst>
               <a:ext uri="{FF2B5EF4-FFF2-40B4-BE49-F238E27FC236}">
-                <a16:creationId xmlns:a16="http://schemas.microsoft.com/office/drawing/2014/main" id="{C3640B40-BF95-4493-8EE5-3D061ABBCE99}"/>
+                <a16:creationId xmlns:a16="http://schemas.microsoft.com/office/drawing/2014/main" id="{38D3B90F-5E74-4830-8222-4EDBEE2E88C9}"/>
               </a:ext>
             </a:extLst>
           </p:cNvPr>
@@ -3692,25 +4261,153 @@
             <p:ph type="title"/>
           </p:nvPr>
         </p:nvSpPr>
-        <p:spPr/>
-        <p:txBody>
-          <a:bodyPr/>
+        <p:spPr>
+          <a:xfrm>
+            <a:off x="526073" y="489439"/>
+            <a:ext cx="11139854" cy="930447"/>
+          </a:xfrm>
+        </p:spPr>
+        <p:txBody>
+          <a:bodyPr vert="horz" lIns="91440" tIns="45720" rIns="91440" bIns="45720" rtlCol="0" anchor="b">
+            <a:normAutofit/>
+          </a:bodyPr>
           <a:lstStyle/>
           <a:p>
             <a:pPr algn="ctr"/>
             <a:r>
-              <a:rPr lang="en-US" dirty="0"/>
+              <a:rPr lang="en-US" sz="5400" dirty="0">
+                <a:solidFill>
+                  <a:schemeClr val="bg1"/>
+                </a:solidFill>
+              </a:rPr>
               <a:t>HC-SR501 PIR Sensor</a:t>
             </a:r>
-          </a:p>
-        </p:txBody>
-      </p:sp>
+            <a:endParaRPr lang="en-US" sz="5400" kern="1200" dirty="0">
+              <a:solidFill>
+                <a:schemeClr val="bg1"/>
+              </a:solidFill>
+              <a:latin typeface="+mj-lt"/>
+              <a:ea typeface="+mj-ea"/>
+              <a:cs typeface="+mj-cs"/>
+            </a:endParaRPr>
+          </a:p>
+        </p:txBody>
+      </p:sp>
+      <p:cxnSp>
+        <p:nvCxnSpPr>
+          <p:cNvPr id="12" name="Straight Connector 11">
+            <a:extLst>
+              <a:ext uri="{FF2B5EF4-FFF2-40B4-BE49-F238E27FC236}">
+                <a16:creationId xmlns:a16="http://schemas.microsoft.com/office/drawing/2014/main" id="{A82415D3-DDE5-4D63-8CB3-23A5EC581B27}"/>
+              </a:ext>
+              <a:ext uri="{C183D7F6-B498-43B3-948B-1728B52AA6E4}">
+                <adec:decorative xmlns:adec="http://schemas.microsoft.com/office/drawing/2017/decorative" val="1"/>
+              </a:ext>
+            </a:extLst>
+          </p:cNvPr>
+          <p:cNvCxnSpPr>
+            <a:cxnSpLocks noGrp="1" noRot="1" noChangeAspect="1" noMove="1" noResize="1" noEditPoints="1" noAdjustHandles="1" noChangeArrowheads="1" noChangeShapeType="1"/>
+          </p:cNvCxnSpPr>
+          <p:nvPr>
+            <p:extLst>
+              <p:ext uri="{386F3935-93C4-4BCD-93E2-E3B085C9AB24}">
+                <p16:designElem xmlns:p16="http://schemas.microsoft.com/office/powerpoint/2015/main" val="1"/>
+              </p:ext>
+            </p:extLst>
+          </p:nvPr>
+        </p:nvCxnSpPr>
+        <p:spPr>
+          <a:xfrm>
+            <a:off x="4724400" y="1479733"/>
+            <a:ext cx="2743200" cy="0"/>
+          </a:xfrm>
+          <a:prstGeom prst="line">
+            <a:avLst/>
+          </a:prstGeom>
+          <a:ln w="19050">
+            <a:solidFill>
+              <a:schemeClr val="bg1">
+                <a:alpha val="75000"/>
+              </a:schemeClr>
+            </a:solidFill>
+          </a:ln>
+        </p:spPr>
+        <p:style>
+          <a:lnRef idx="1">
+            <a:schemeClr val="accent1"/>
+          </a:lnRef>
+          <a:fillRef idx="0">
+            <a:schemeClr val="accent1"/>
+          </a:fillRef>
+          <a:effectRef idx="0">
+            <a:schemeClr val="accent1"/>
+          </a:effectRef>
+          <a:fontRef idx="minor">
+            <a:schemeClr val="tx1"/>
+          </a:fontRef>
+        </p:style>
+      </p:cxnSp>
+      <p:cxnSp>
+        <p:nvCxnSpPr>
+          <p:cNvPr id="14" name="Straight Connector 13">
+            <a:extLst>
+              <a:ext uri="{FF2B5EF4-FFF2-40B4-BE49-F238E27FC236}">
+                <a16:creationId xmlns:a16="http://schemas.microsoft.com/office/drawing/2014/main" id="{AD7193FB-6AE6-4B3B-8F89-56B55DD63B4D}"/>
+              </a:ext>
+              <a:ext uri="{C183D7F6-B498-43B3-948B-1728B52AA6E4}">
+                <adec:decorative xmlns:adec="http://schemas.microsoft.com/office/drawing/2017/decorative" val="1"/>
+              </a:ext>
+            </a:extLst>
+          </p:cNvPr>
+          <p:cNvCxnSpPr>
+            <a:cxnSpLocks noGrp="1" noRot="1" noChangeAspect="1" noMove="1" noResize="1" noEditPoints="1" noAdjustHandles="1" noChangeArrowheads="1" noChangeShapeType="1"/>
+          </p:cNvCxnSpPr>
+          <p:nvPr>
+            <p:extLst>
+              <p:ext uri="{386F3935-93C4-4BCD-93E2-E3B085C9AB24}">
+                <p16:designElem xmlns:p16="http://schemas.microsoft.com/office/powerpoint/2015/main" val="1"/>
+              </p:ext>
+            </p:extLst>
+          </p:nvPr>
+        </p:nvCxnSpPr>
+        <p:spPr bwMode="white">
+          <a:xfrm>
+            <a:off x="0" y="2201402"/>
+            <a:ext cx="12188824" cy="0"/>
+          </a:xfrm>
+          <a:prstGeom prst="line">
+            <a:avLst/>
+          </a:prstGeom>
+          <a:ln w="50800">
+            <a:solidFill>
+              <a:schemeClr val="tx1">
+                <a:lumMod val="75000"/>
+                <a:lumOff val="25000"/>
+              </a:schemeClr>
+            </a:solidFill>
+          </a:ln>
+        </p:spPr>
+        <p:style>
+          <a:lnRef idx="1">
+            <a:schemeClr val="accent1"/>
+          </a:lnRef>
+          <a:fillRef idx="0">
+            <a:schemeClr val="accent1"/>
+          </a:fillRef>
+          <a:effectRef idx="0">
+            <a:schemeClr val="accent1"/>
+          </a:effectRef>
+          <a:fontRef idx="minor">
+            <a:schemeClr val="tx1"/>
+          </a:fontRef>
+        </p:style>
+      </p:cxnSp>
       <p:pic>
         <p:nvPicPr>
-          <p:cNvPr id="1030" name="Picture 6" descr="HC-SR501 Pyroelectric Infrared PIR Motion Sensor Detector Module">
+          <p:cNvPr id="13" name="Picture 12" descr="HC-SR501 Pyroelectric Infrared PIR Motion Sensor Detector Module">
             <a:extLst>
               <a:ext uri="{FF2B5EF4-FFF2-40B4-BE49-F238E27FC236}">
-                <a16:creationId xmlns:a16="http://schemas.microsoft.com/office/drawing/2014/main" id="{8CDE32E4-9DB3-4C2E-A6EF-FD88AE1B351B}"/>
+                <a16:creationId xmlns:a16="http://schemas.microsoft.com/office/drawing/2014/main" id="{9CCB0890-3610-4A2A-BF80-CF0F7E717D34}"/>
               </a:ext>
             </a:extLst>
           </p:cNvPr>
@@ -3734,7 +4431,7 @@
         </p:blipFill>
         <p:spPr bwMode="auto">
           <a:xfrm>
-            <a:off x="1181100" y="1990515"/>
+            <a:off x="1002164" y="2464389"/>
             <a:ext cx="3320308" cy="3325697"/>
           </a:xfrm>
           <a:prstGeom prst="rect">
@@ -3752,12 +4449,49 @@
           </a:extLst>
         </p:spPr>
       </p:pic>
+      <p:sp>
+        <p:nvSpPr>
+          <p:cNvPr id="15" name="TextBox 14">
+            <a:extLst>
+              <a:ext uri="{FF2B5EF4-FFF2-40B4-BE49-F238E27FC236}">
+                <a16:creationId xmlns:a16="http://schemas.microsoft.com/office/drawing/2014/main" id="{32103629-CEE1-4C8E-B0CF-0CE9F36BF06F}"/>
+              </a:ext>
+            </a:extLst>
+          </p:cNvPr>
+          <p:cNvSpPr txBox="1"/>
+          <p:nvPr/>
+        </p:nvSpPr>
+        <p:spPr>
+          <a:xfrm>
+            <a:off x="8298550" y="5897015"/>
+            <a:ext cx="2011680" cy="369332"/>
+          </a:xfrm>
+          <a:prstGeom prst="rect">
+            <a:avLst/>
+          </a:prstGeom>
+          <a:noFill/>
+        </p:spPr>
+        <p:txBody>
+          <a:bodyPr wrap="square" rtlCol="0">
+            <a:spAutoFit/>
+          </a:bodyPr>
+          <a:lstStyle/>
+          <a:p>
+            <a:r>
+              <a:rPr lang="en-US" dirty="0">
+                <a:latin typeface="Bahnschrift Light" panose="020B0502040204020203" pitchFamily="34" charset="0"/>
+              </a:rPr>
+              <a:t>Fresnel Lens</a:t>
+            </a:r>
+          </a:p>
+        </p:txBody>
+      </p:sp>
       <p:pic>
         <p:nvPicPr>
-          <p:cNvPr id="1034" name="Picture 10" descr="HC-SR501 PIR Infrared adjustable Motion Sensor with holder – Server On The  Move">
+          <p:cNvPr id="16" name="Picture 10" descr="HC-SR501 PIR Infrared adjustable Motion Sensor with holder – Server On The  Move">
             <a:extLst>
               <a:ext uri="{FF2B5EF4-FFF2-40B4-BE49-F238E27FC236}">
-                <a16:creationId xmlns:a16="http://schemas.microsoft.com/office/drawing/2014/main" id="{78EB402B-3906-47A9-9AE8-E0587C1E1DB6}"/>
+                <a16:creationId xmlns:a16="http://schemas.microsoft.com/office/drawing/2014/main" id="{C9B953ED-E5CD-45B4-BE13-13FB8D8AF043}"/>
               </a:ext>
             </a:extLst>
           </p:cNvPr>
@@ -3781,7 +4515,7 @@
         </p:blipFill>
         <p:spPr bwMode="auto">
           <a:xfrm>
-            <a:off x="5905897" y="2106840"/>
+            <a:off x="5550165" y="2662951"/>
             <a:ext cx="4863835" cy="3330821"/>
           </a:xfrm>
           <a:prstGeom prst="rect">
@@ -3801,10 +4535,10 @@
       </p:pic>
       <p:sp>
         <p:nvSpPr>
-          <p:cNvPr id="4" name="TextBox 3">
+          <p:cNvPr id="17" name="TextBox 16">
             <a:extLst>
               <a:ext uri="{FF2B5EF4-FFF2-40B4-BE49-F238E27FC236}">
-                <a16:creationId xmlns:a16="http://schemas.microsoft.com/office/drawing/2014/main" id="{6E1D39CF-9BC6-46C8-AAB5-E189FE620479}"/>
+                <a16:creationId xmlns:a16="http://schemas.microsoft.com/office/drawing/2014/main" id="{9011394C-C75D-462A-8AF7-46E339B12FB9}"/>
               </a:ext>
             </a:extLst>
           </p:cNvPr>
@@ -3813,8 +4547,8 @@
         </p:nvSpPr>
         <p:spPr>
           <a:xfrm>
-            <a:off x="9178290" y="5616040"/>
-            <a:ext cx="2011680" cy="369332"/>
+            <a:off x="5349174" y="5712349"/>
+            <a:ext cx="2270826" cy="369332"/>
           </a:xfrm>
           <a:prstGeom prst="rect">
             <a:avLst/>
@@ -3828,42 +4562,9 @@
           <a:lstStyle/>
           <a:p>
             <a:r>
-              <a:rPr lang="en-US" dirty="0"/>
-              <a:t>Fresnel Lens</a:t>
-            </a:r>
-          </a:p>
-        </p:txBody>
-      </p:sp>
-      <p:sp>
-        <p:nvSpPr>
-          <p:cNvPr id="10" name="TextBox 9">
-            <a:extLst>
-              <a:ext uri="{FF2B5EF4-FFF2-40B4-BE49-F238E27FC236}">
-                <a16:creationId xmlns:a16="http://schemas.microsoft.com/office/drawing/2014/main" id="{6787DCC0-A1C3-4E90-959B-B62F04D45AEA}"/>
-              </a:ext>
-            </a:extLst>
-          </p:cNvPr>
-          <p:cNvSpPr txBox="1"/>
-          <p:nvPr/>
-        </p:nvSpPr>
-        <p:spPr>
-          <a:xfrm>
-            <a:off x="6326135" y="5378267"/>
-            <a:ext cx="2011680" cy="369332"/>
-          </a:xfrm>
-          <a:prstGeom prst="rect">
-            <a:avLst/>
-          </a:prstGeom>
-          <a:noFill/>
-        </p:spPr>
-        <p:txBody>
-          <a:bodyPr wrap="square" rtlCol="0">
-            <a:spAutoFit/>
-          </a:bodyPr>
-          <a:lstStyle/>
-          <a:p>
-            <a:r>
-              <a:rPr lang="en-US" dirty="0"/>
+              <a:rPr lang="en-US" dirty="0">
+                <a:latin typeface="Bahnschrift Light" panose="020B0502040204020203" pitchFamily="34" charset="0"/>
+              </a:rPr>
               <a:t>Pyroelectric Sensor</a:t>
             </a:r>
           </a:p>
@@ -3872,7 +4573,7 @@
     </p:spTree>
     <p:extLst>
       <p:ext uri="{BB962C8B-B14F-4D97-AF65-F5344CB8AC3E}">
-        <p14:creationId xmlns:p14="http://schemas.microsoft.com/office/powerpoint/2010/main" val="4093708274"/>
+        <p14:creationId xmlns:p14="http://schemas.microsoft.com/office/powerpoint/2010/main" val="2036313716"/>
       </p:ext>
     </p:extLst>
   </p:cSld>
@@ -4058,20 +4759,12 @@
           <a:p>
             <a:pPr algn="ctr"/>
             <a:r>
-              <a:rPr lang="en-US" sz="5400" dirty="0" err="1">
-                <a:solidFill>
-                  <a:schemeClr val="bg1"/>
-                </a:solidFill>
-              </a:rPr>
-              <a:t>PhotoElectric</a:t>
-            </a:r>
-            <a:r>
               <a:rPr lang="en-US" sz="5400" dirty="0">
                 <a:solidFill>
                   <a:schemeClr val="bg1"/>
                 </a:solidFill>
               </a:rPr>
-              <a:t> Sensor</a:t>
+              <a:t>Photoelectric Sensor</a:t>
             </a:r>
             <a:endParaRPr lang="en-US" sz="5400" kern="1200" dirty="0">
               <a:solidFill>
@@ -4347,6 +5040,1365 @@
           <p:cNvPr id="2" name="Title 1">
             <a:extLst>
               <a:ext uri="{FF2B5EF4-FFF2-40B4-BE49-F238E27FC236}">
+                <a16:creationId xmlns:a16="http://schemas.microsoft.com/office/drawing/2014/main" id="{858F04A1-9132-45F1-AE16-3662AF76880A}"/>
+              </a:ext>
+            </a:extLst>
+          </p:cNvPr>
+          <p:cNvSpPr>
+            <a:spLocks noGrp="1"/>
+          </p:cNvSpPr>
+          <p:nvPr>
+            <p:ph type="title"/>
+          </p:nvPr>
+        </p:nvSpPr>
+        <p:spPr>
+          <a:xfrm>
+            <a:off x="546351" y="433545"/>
+            <a:ext cx="11139854" cy="930447"/>
+          </a:xfrm>
+        </p:spPr>
+        <p:txBody>
+          <a:bodyPr vert="horz" lIns="91440" tIns="45720" rIns="91440" bIns="45720" rtlCol="0" anchor="b">
+            <a:normAutofit/>
+          </a:bodyPr>
+          <a:lstStyle/>
+          <a:p>
+            <a:pPr algn="ctr"/>
+            <a:r>
+              <a:rPr lang="en-US" sz="5400" dirty="0">
+                <a:solidFill>
+                  <a:srgbClr val="FFFFFF"/>
+                </a:solidFill>
+              </a:rPr>
+              <a:t>Functionalities</a:t>
+            </a:r>
+          </a:p>
+        </p:txBody>
+      </p:sp>
+      <p:cxnSp>
+        <p:nvCxnSpPr>
+          <p:cNvPr id="75" name="Straight Connector 74">
+            <a:extLst>
+              <a:ext uri="{FF2B5EF4-FFF2-40B4-BE49-F238E27FC236}">
+                <a16:creationId xmlns:a16="http://schemas.microsoft.com/office/drawing/2014/main" id="{7E7C77BC-7138-40B1-A15B-20F57A494629}"/>
+              </a:ext>
+              <a:ext uri="{C183D7F6-B498-43B3-948B-1728B52AA6E4}">
+                <adec:decorative xmlns:adec="http://schemas.microsoft.com/office/drawing/2017/decorative" val="1"/>
+              </a:ext>
+            </a:extLst>
+          </p:cNvPr>
+          <p:cNvCxnSpPr>
+            <a:cxnSpLocks noGrp="1" noRot="1" noChangeAspect="1" noMove="1" noResize="1" noEditPoints="1" noAdjustHandles="1" noChangeArrowheads="1" noChangeShapeType="1"/>
+          </p:cNvCxnSpPr>
+          <p:nvPr>
+            <p:extLst>
+              <p:ext uri="{386F3935-93C4-4BCD-93E2-E3B085C9AB24}">
+                <p16:designElem xmlns:p16="http://schemas.microsoft.com/office/powerpoint/2015/main" val="1"/>
+              </p:ext>
+            </p:extLst>
+          </p:nvPr>
+        </p:nvCxnSpPr>
+        <p:spPr>
+          <a:xfrm>
+            <a:off x="2230078" y="1522292"/>
+            <a:ext cx="7772400" cy="0"/>
+          </a:xfrm>
+          <a:prstGeom prst="line">
+            <a:avLst/>
+          </a:prstGeom>
+          <a:ln w="22225">
+            <a:solidFill>
+              <a:srgbClr val="D9D9D9"/>
+            </a:solidFill>
+          </a:ln>
+        </p:spPr>
+        <p:style>
+          <a:lnRef idx="1">
+            <a:schemeClr val="accent1"/>
+          </a:lnRef>
+          <a:fillRef idx="0">
+            <a:schemeClr val="accent1"/>
+          </a:fillRef>
+          <a:effectRef idx="0">
+            <a:schemeClr val="accent1"/>
+          </a:effectRef>
+          <a:fontRef idx="minor">
+            <a:schemeClr val="tx1"/>
+          </a:fontRef>
+        </p:style>
+      </p:cxnSp>
+      <p:pic>
+        <p:nvPicPr>
+          <p:cNvPr id="1026" name="Picture 2" descr="Motion Sensor Detection Range">
+            <a:extLst>
+              <a:ext uri="{FF2B5EF4-FFF2-40B4-BE49-F238E27FC236}">
+                <a16:creationId xmlns:a16="http://schemas.microsoft.com/office/drawing/2014/main" id="{F243D5EE-CEA0-4B1A-87DD-66A680AE799B}"/>
+              </a:ext>
+            </a:extLst>
+          </p:cNvPr>
+          <p:cNvPicPr>
+            <a:picLocks noChangeAspect="1" noChangeArrowheads="1"/>
+          </p:cNvPicPr>
+          <p:nvPr/>
+        </p:nvPicPr>
+        <p:blipFill>
+          <a:blip r:embed="rId2">
+            <a:extLst>
+              <a:ext uri="{28A0092B-C50C-407E-A947-70E740481C1C}">
+                <a14:useLocalDpi xmlns:a14="http://schemas.microsoft.com/office/drawing/2010/main" val="0"/>
+              </a:ext>
+            </a:extLst>
+          </a:blip>
+          <a:stretch>
+            <a:fillRect/>
+          </a:stretch>
+        </p:blipFill>
+        <p:spPr bwMode="auto">
+          <a:xfrm>
+            <a:off x="331567" y="2502426"/>
+            <a:ext cx="5455917" cy="3846421"/>
+          </a:xfrm>
+          <a:prstGeom prst="rect">
+            <a:avLst/>
+          </a:prstGeom>
+          <a:noFill/>
+          <a:extLst>
+            <a:ext uri="{909E8E84-426E-40DD-AFC4-6F175D3DCCD1}">
+              <a14:hiddenFill xmlns:a14="http://schemas.microsoft.com/office/drawing/2010/main">
+                <a:solidFill>
+                  <a:srgbClr val="FFFFFF"/>
+                </a:solidFill>
+              </a14:hiddenFill>
+            </a:ext>
+          </a:extLst>
+        </p:spPr>
+      </p:pic>
+      <p:cxnSp>
+        <p:nvCxnSpPr>
+          <p:cNvPr id="77" name="Straight Connector 76">
+            <a:extLst>
+              <a:ext uri="{FF2B5EF4-FFF2-40B4-BE49-F238E27FC236}">
+                <a16:creationId xmlns:a16="http://schemas.microsoft.com/office/drawing/2014/main" id="{DB146403-F3D6-484B-B2ED-97F9565D0370}"/>
+              </a:ext>
+              <a:ext uri="{C183D7F6-B498-43B3-948B-1728B52AA6E4}">
+                <adec:decorative xmlns:adec="http://schemas.microsoft.com/office/drawing/2017/decorative" val="1"/>
+              </a:ext>
+            </a:extLst>
+          </p:cNvPr>
+          <p:cNvCxnSpPr>
+            <a:cxnSpLocks noGrp="1" noRot="1" noChangeAspect="1" noMove="1" noResize="1" noEditPoints="1" noAdjustHandles="1" noChangeArrowheads="1" noChangeShapeType="1"/>
+          </p:cNvCxnSpPr>
+          <p:nvPr>
+            <p:extLst>
+              <p:ext uri="{386F3935-93C4-4BCD-93E2-E3B085C9AB24}">
+                <p16:designElem xmlns:p16="http://schemas.microsoft.com/office/powerpoint/2015/main" val="1"/>
+              </p:ext>
+            </p:extLst>
+          </p:nvPr>
+        </p:nvCxnSpPr>
+        <p:spPr>
+          <a:xfrm>
+            <a:off x="6116278" y="2596836"/>
+            <a:ext cx="0" cy="3657600"/>
+          </a:xfrm>
+          <a:prstGeom prst="line">
+            <a:avLst/>
+          </a:prstGeom>
+          <a:ln w="101600" cmpd="dbl">
+            <a:solidFill>
+              <a:srgbClr val="595959"/>
+            </a:solidFill>
+          </a:ln>
+        </p:spPr>
+        <p:style>
+          <a:lnRef idx="1">
+            <a:schemeClr val="accent1"/>
+          </a:lnRef>
+          <a:fillRef idx="0">
+            <a:schemeClr val="accent1"/>
+          </a:fillRef>
+          <a:effectRef idx="0">
+            <a:schemeClr val="accent1"/>
+          </a:effectRef>
+          <a:fontRef idx="minor">
+            <a:schemeClr val="tx1"/>
+          </a:fontRef>
+        </p:style>
+      </p:cxnSp>
+      <p:pic>
+        <p:nvPicPr>
+          <p:cNvPr id="1028" name="Picture 4" descr="motion sensor adjust time delay">
+            <a:extLst>
+              <a:ext uri="{FF2B5EF4-FFF2-40B4-BE49-F238E27FC236}">
+                <a16:creationId xmlns:a16="http://schemas.microsoft.com/office/drawing/2014/main" id="{8265A6AF-52EF-415E-8805-803FD0AB399A}"/>
+              </a:ext>
+            </a:extLst>
+          </p:cNvPr>
+          <p:cNvPicPr>
+            <a:picLocks noChangeAspect="1" noChangeArrowheads="1"/>
+          </p:cNvPicPr>
+          <p:nvPr/>
+        </p:nvPicPr>
+        <p:blipFill>
+          <a:blip r:embed="rId3">
+            <a:extLst>
+              <a:ext uri="{28A0092B-C50C-407E-A947-70E740481C1C}">
+                <a14:useLocalDpi xmlns:a14="http://schemas.microsoft.com/office/drawing/2010/main" val="0"/>
+              </a:ext>
+            </a:extLst>
+          </a:blip>
+          <a:stretch>
+            <a:fillRect/>
+          </a:stretch>
+        </p:blipFill>
+        <p:spPr bwMode="auto">
+          <a:xfrm>
+            <a:off x="6445073" y="3048017"/>
+            <a:ext cx="5455917" cy="2755238"/>
+          </a:xfrm>
+          <a:prstGeom prst="rect">
+            <a:avLst/>
+          </a:prstGeom>
+          <a:noFill/>
+          <a:extLst>
+            <a:ext uri="{909E8E84-426E-40DD-AFC4-6F175D3DCCD1}">
+              <a14:hiddenFill xmlns:a14="http://schemas.microsoft.com/office/drawing/2010/main">
+                <a:solidFill>
+                  <a:srgbClr val="FFFFFF"/>
+                </a:solidFill>
+              </a14:hiddenFill>
+            </a:ext>
+          </a:extLst>
+        </p:spPr>
+      </p:pic>
+    </p:spTree>
+    <p:extLst>
+      <p:ext uri="{BB962C8B-B14F-4D97-AF65-F5344CB8AC3E}">
+        <p14:creationId xmlns:p14="http://schemas.microsoft.com/office/powerpoint/2010/main" val="3331174294"/>
+      </p:ext>
+    </p:extLst>
+  </p:cSld>
+  <p:clrMapOvr>
+    <a:masterClrMapping/>
+  </p:clrMapOvr>
+</p:sld>
+</file>
+
+<file path=ppt/slides/slide6.xml><?xml version="1.0" encoding="utf-8"?>
+<p:sld xmlns:a="http://schemas.openxmlformats.org/drawingml/2006/main" xmlns:r="http://schemas.openxmlformats.org/officeDocument/2006/relationships" xmlns:p="http://schemas.openxmlformats.org/presentationml/2006/main">
+  <p:cSld>
+    <p:bg>
+      <p:bgPr>
+        <a:solidFill>
+          <a:schemeClr val="bg1"/>
+        </a:solidFill>
+        <a:effectLst/>
+      </p:bgPr>
+    </p:bg>
+    <p:spTree>
+      <p:nvGrpSpPr>
+        <p:cNvPr id="1" name=""/>
+        <p:cNvGrpSpPr/>
+        <p:nvPr/>
+      </p:nvGrpSpPr>
+      <p:grpSpPr>
+        <a:xfrm>
+          <a:off x="0" y="0"/>
+          <a:ext cx="0" cy="0"/>
+          <a:chOff x="0" y="0"/>
+          <a:chExt cx="0" cy="0"/>
+        </a:xfrm>
+      </p:grpSpPr>
+      <p:cxnSp>
+        <p:nvCxnSpPr>
+          <p:cNvPr id="71" name="Straight Connector 70">
+            <a:extLst>
+              <a:ext uri="{FF2B5EF4-FFF2-40B4-BE49-F238E27FC236}">
+                <a16:creationId xmlns:a16="http://schemas.microsoft.com/office/drawing/2014/main" id="{D2E961F1-4A28-4A5F-BBD4-6E400E5E6C75}"/>
+              </a:ext>
+              <a:ext uri="{C183D7F6-B498-43B3-948B-1728B52AA6E4}">
+                <adec:decorative xmlns:adec="http://schemas.microsoft.com/office/drawing/2017/decorative" val="1"/>
+              </a:ext>
+            </a:extLst>
+          </p:cNvPr>
+          <p:cNvCxnSpPr>
+            <a:cxnSpLocks noGrp="1" noRot="1" noChangeAspect="1" noMove="1" noResize="1" noEditPoints="1" noAdjustHandles="1" noChangeArrowheads="1" noChangeShapeType="1"/>
+          </p:cNvCxnSpPr>
+          <p:nvPr>
+            <p:extLst>
+              <p:ext uri="{386F3935-93C4-4BCD-93E2-E3B085C9AB24}">
+                <p16:designElem xmlns:p16="http://schemas.microsoft.com/office/powerpoint/2015/main" val="1"/>
+              </p:ext>
+            </p:extLst>
+          </p:nvPr>
+        </p:nvCxnSpPr>
+        <p:spPr bwMode="white">
+          <a:xfrm>
+            <a:off x="0" y="272357"/>
+            <a:ext cx="12188824" cy="0"/>
+          </a:xfrm>
+          <a:prstGeom prst="line">
+            <a:avLst/>
+          </a:prstGeom>
+          <a:ln w="50800">
+            <a:solidFill>
+              <a:schemeClr val="tx1">
+                <a:lumMod val="75000"/>
+                <a:lumOff val="25000"/>
+              </a:schemeClr>
+            </a:solidFill>
+          </a:ln>
+        </p:spPr>
+        <p:style>
+          <a:lnRef idx="1">
+            <a:schemeClr val="accent1"/>
+          </a:lnRef>
+          <a:fillRef idx="0">
+            <a:schemeClr val="accent1"/>
+          </a:fillRef>
+          <a:effectRef idx="0">
+            <a:schemeClr val="accent1"/>
+          </a:effectRef>
+          <a:fontRef idx="minor">
+            <a:schemeClr val="tx1"/>
+          </a:fontRef>
+        </p:style>
+      </p:cxnSp>
+      <p:sp>
+        <p:nvSpPr>
+          <p:cNvPr id="73" name="Rectangle 72">
+            <a:extLst>
+              <a:ext uri="{FF2B5EF4-FFF2-40B4-BE49-F238E27FC236}">
+                <a16:creationId xmlns:a16="http://schemas.microsoft.com/office/drawing/2014/main" id="{7F57BEA8-497D-4AA8-8A18-BDCD696B25FE}"/>
+              </a:ext>
+              <a:ext uri="{C183D7F6-B498-43B3-948B-1728B52AA6E4}">
+                <adec:decorative xmlns:adec="http://schemas.microsoft.com/office/drawing/2017/decorative" val="1"/>
+              </a:ext>
+            </a:extLst>
+          </p:cNvPr>
+          <p:cNvSpPr>
+            <a:spLocks noGrp="1" noRot="1" noChangeAspect="1" noMove="1" noResize="1" noEditPoints="1" noAdjustHandles="1" noChangeArrowheads="1" noChangeShapeType="1" noTextEdit="1"/>
+          </p:cNvSpPr>
+          <p:nvPr>
+            <p:extLst>
+              <p:ext uri="{386F3935-93C4-4BCD-93E2-E3B085C9AB24}">
+                <p16:designElem xmlns:p16="http://schemas.microsoft.com/office/powerpoint/2015/main" val="1"/>
+              </p:ext>
+            </p:extLst>
+          </p:nvPr>
+        </p:nvSpPr>
+        <p:spPr>
+          <a:xfrm>
+            <a:off x="0" y="368596"/>
+            <a:ext cx="12192000" cy="1735555"/>
+          </a:xfrm>
+          <a:prstGeom prst="rect">
+            <a:avLst/>
+          </a:prstGeom>
+          <a:solidFill>
+            <a:schemeClr val="tx1">
+              <a:lumMod val="75000"/>
+              <a:lumOff val="25000"/>
+            </a:schemeClr>
+          </a:solidFill>
+          <a:ln>
+            <a:noFill/>
+          </a:ln>
+        </p:spPr>
+        <p:style>
+          <a:lnRef idx="2">
+            <a:schemeClr val="accent1">
+              <a:shade val="50000"/>
+            </a:schemeClr>
+          </a:lnRef>
+          <a:fillRef idx="1">
+            <a:schemeClr val="accent1"/>
+          </a:fillRef>
+          <a:effectRef idx="0">
+            <a:schemeClr val="accent1"/>
+          </a:effectRef>
+          <a:fontRef idx="minor">
+            <a:schemeClr val="lt1"/>
+          </a:fontRef>
+        </p:style>
+        <p:txBody>
+          <a:bodyPr rtlCol="0" anchor="ctr"/>
+          <a:lstStyle/>
+          <a:p>
+            <a:pPr algn="ctr"/>
+            <a:endParaRPr lang="en-US"/>
+          </a:p>
+        </p:txBody>
+      </p:sp>
+      <p:sp>
+        <p:nvSpPr>
+          <p:cNvPr id="2" name="Title 1">
+            <a:extLst>
+              <a:ext uri="{FF2B5EF4-FFF2-40B4-BE49-F238E27FC236}">
+                <a16:creationId xmlns:a16="http://schemas.microsoft.com/office/drawing/2014/main" id="{6D08CDFA-B1B7-443A-9E65-AE1E1859763D}"/>
+              </a:ext>
+            </a:extLst>
+          </p:cNvPr>
+          <p:cNvSpPr>
+            <a:spLocks noGrp="1"/>
+          </p:cNvSpPr>
+          <p:nvPr>
+            <p:ph type="title"/>
+          </p:nvPr>
+        </p:nvSpPr>
+        <p:spPr>
+          <a:xfrm>
+            <a:off x="526073" y="489439"/>
+            <a:ext cx="11139854" cy="930447"/>
+          </a:xfrm>
+        </p:spPr>
+        <p:txBody>
+          <a:bodyPr vert="horz" lIns="91440" tIns="45720" rIns="91440" bIns="45720" rtlCol="0" anchor="b">
+            <a:normAutofit/>
+          </a:bodyPr>
+          <a:lstStyle/>
+          <a:p>
+            <a:pPr algn="ctr"/>
+            <a:r>
+              <a:rPr lang="en-US" sz="5400" kern="1200" dirty="0">
+                <a:solidFill>
+                  <a:schemeClr val="bg1"/>
+                </a:solidFill>
+                <a:latin typeface="+mj-lt"/>
+                <a:ea typeface="+mj-ea"/>
+                <a:cs typeface="+mj-cs"/>
+              </a:rPr>
+              <a:t>Functionalities</a:t>
+            </a:r>
+          </a:p>
+        </p:txBody>
+      </p:sp>
+      <p:cxnSp>
+        <p:nvCxnSpPr>
+          <p:cNvPr id="75" name="Straight Connector 74">
+            <a:extLst>
+              <a:ext uri="{FF2B5EF4-FFF2-40B4-BE49-F238E27FC236}">
+                <a16:creationId xmlns:a16="http://schemas.microsoft.com/office/drawing/2014/main" id="{A82415D3-DDE5-4D63-8CB3-23A5EC581B27}"/>
+              </a:ext>
+              <a:ext uri="{C183D7F6-B498-43B3-948B-1728B52AA6E4}">
+                <adec:decorative xmlns:adec="http://schemas.microsoft.com/office/drawing/2017/decorative" val="1"/>
+              </a:ext>
+            </a:extLst>
+          </p:cNvPr>
+          <p:cNvCxnSpPr>
+            <a:cxnSpLocks noGrp="1" noRot="1" noChangeAspect="1" noMove="1" noResize="1" noEditPoints="1" noAdjustHandles="1" noChangeArrowheads="1" noChangeShapeType="1"/>
+          </p:cNvCxnSpPr>
+          <p:nvPr>
+            <p:extLst>
+              <p:ext uri="{386F3935-93C4-4BCD-93E2-E3B085C9AB24}">
+                <p16:designElem xmlns:p16="http://schemas.microsoft.com/office/powerpoint/2015/main" val="1"/>
+              </p:ext>
+            </p:extLst>
+          </p:nvPr>
+        </p:nvCxnSpPr>
+        <p:spPr>
+          <a:xfrm>
+            <a:off x="4724400" y="1479733"/>
+            <a:ext cx="2743200" cy="0"/>
+          </a:xfrm>
+          <a:prstGeom prst="line">
+            <a:avLst/>
+          </a:prstGeom>
+          <a:ln w="19050">
+            <a:solidFill>
+              <a:schemeClr val="bg1">
+                <a:alpha val="75000"/>
+              </a:schemeClr>
+            </a:solidFill>
+          </a:ln>
+        </p:spPr>
+        <p:style>
+          <a:lnRef idx="1">
+            <a:schemeClr val="accent1"/>
+          </a:lnRef>
+          <a:fillRef idx="0">
+            <a:schemeClr val="accent1"/>
+          </a:fillRef>
+          <a:effectRef idx="0">
+            <a:schemeClr val="accent1"/>
+          </a:effectRef>
+          <a:fontRef idx="minor">
+            <a:schemeClr val="tx1"/>
+          </a:fontRef>
+        </p:style>
+      </p:cxnSp>
+      <p:cxnSp>
+        <p:nvCxnSpPr>
+          <p:cNvPr id="77" name="Straight Connector 76">
+            <a:extLst>
+              <a:ext uri="{FF2B5EF4-FFF2-40B4-BE49-F238E27FC236}">
+                <a16:creationId xmlns:a16="http://schemas.microsoft.com/office/drawing/2014/main" id="{AD7193FB-6AE6-4B3B-8F89-56B55DD63B4D}"/>
+              </a:ext>
+              <a:ext uri="{C183D7F6-B498-43B3-948B-1728B52AA6E4}">
+                <adec:decorative xmlns:adec="http://schemas.microsoft.com/office/drawing/2017/decorative" val="1"/>
+              </a:ext>
+            </a:extLst>
+          </p:cNvPr>
+          <p:cNvCxnSpPr>
+            <a:cxnSpLocks noGrp="1" noRot="1" noChangeAspect="1" noMove="1" noResize="1" noEditPoints="1" noAdjustHandles="1" noChangeArrowheads="1" noChangeShapeType="1"/>
+          </p:cNvCxnSpPr>
+          <p:nvPr>
+            <p:extLst>
+              <p:ext uri="{386F3935-93C4-4BCD-93E2-E3B085C9AB24}">
+                <p16:designElem xmlns:p16="http://schemas.microsoft.com/office/powerpoint/2015/main" val="1"/>
+              </p:ext>
+            </p:extLst>
+          </p:nvPr>
+        </p:nvCxnSpPr>
+        <p:spPr bwMode="white">
+          <a:xfrm>
+            <a:off x="0" y="2201402"/>
+            <a:ext cx="12188824" cy="0"/>
+          </a:xfrm>
+          <a:prstGeom prst="line">
+            <a:avLst/>
+          </a:prstGeom>
+          <a:ln w="50800">
+            <a:solidFill>
+              <a:schemeClr val="tx1">
+                <a:lumMod val="75000"/>
+                <a:lumOff val="25000"/>
+              </a:schemeClr>
+            </a:solidFill>
+          </a:ln>
+        </p:spPr>
+        <p:style>
+          <a:lnRef idx="1">
+            <a:schemeClr val="accent1"/>
+          </a:lnRef>
+          <a:fillRef idx="0">
+            <a:schemeClr val="accent1"/>
+          </a:fillRef>
+          <a:effectRef idx="0">
+            <a:schemeClr val="accent1"/>
+          </a:effectRef>
+          <a:fontRef idx="minor">
+            <a:schemeClr val="tx1"/>
+          </a:fontRef>
+        </p:style>
+      </p:cxnSp>
+      <p:pic>
+        <p:nvPicPr>
+          <p:cNvPr id="2050" name="Picture 2" descr="motion sensor trigger selection">
+            <a:extLst>
+              <a:ext uri="{FF2B5EF4-FFF2-40B4-BE49-F238E27FC236}">
+                <a16:creationId xmlns:a16="http://schemas.microsoft.com/office/drawing/2014/main" id="{7477BA6A-7873-42C7-8BF3-474855C29C46}"/>
+              </a:ext>
+            </a:extLst>
+          </p:cNvPr>
+          <p:cNvPicPr>
+            <a:picLocks noChangeAspect="1" noChangeArrowheads="1"/>
+          </p:cNvPicPr>
+          <p:nvPr/>
+        </p:nvPicPr>
+        <p:blipFill rotWithShape="1">
+          <a:blip r:embed="rId2">
+            <a:extLst>
+              <a:ext uri="{28A0092B-C50C-407E-A947-70E740481C1C}">
+                <a14:useLocalDpi xmlns:a14="http://schemas.microsoft.com/office/drawing/2010/main" val="0"/>
+              </a:ext>
+            </a:extLst>
+          </a:blip>
+          <a:srcRect l="-152" t="442"/>
+          <a:stretch/>
+        </p:blipFill>
+        <p:spPr bwMode="auto">
+          <a:xfrm>
+            <a:off x="2345464" y="2427540"/>
+            <a:ext cx="7501071" cy="4343460"/>
+          </a:xfrm>
+          <a:prstGeom prst="rect">
+            <a:avLst/>
+          </a:prstGeom>
+          <a:noFill/>
+          <a:extLst>
+            <a:ext uri="{909E8E84-426E-40DD-AFC4-6F175D3DCCD1}">
+              <a14:hiddenFill xmlns:a14="http://schemas.microsoft.com/office/drawing/2010/main">
+                <a:solidFill>
+                  <a:srgbClr val="FFFFFF"/>
+                </a:solidFill>
+              </a14:hiddenFill>
+            </a:ext>
+          </a:extLst>
+        </p:spPr>
+      </p:pic>
+    </p:spTree>
+    <p:extLst>
+      <p:ext uri="{BB962C8B-B14F-4D97-AF65-F5344CB8AC3E}">
+        <p14:creationId xmlns:p14="http://schemas.microsoft.com/office/powerpoint/2010/main" val="75807485"/>
+      </p:ext>
+    </p:extLst>
+  </p:cSld>
+  <p:clrMapOvr>
+    <a:masterClrMapping/>
+  </p:clrMapOvr>
+</p:sld>
+</file>
+
+<file path=ppt/slides/slide7.xml><?xml version="1.0" encoding="utf-8"?>
+<p:sld xmlns:a="http://schemas.openxmlformats.org/drawingml/2006/main" xmlns:r="http://schemas.openxmlformats.org/officeDocument/2006/relationships" xmlns:p="http://schemas.openxmlformats.org/presentationml/2006/main">
+  <p:cSld>
+    <p:bg>
+      <p:bgPr>
+        <a:solidFill>
+          <a:schemeClr val="bg1"/>
+        </a:solidFill>
+        <a:effectLst/>
+      </p:bgPr>
+    </p:bg>
+    <p:spTree>
+      <p:nvGrpSpPr>
+        <p:cNvPr id="1" name=""/>
+        <p:cNvGrpSpPr/>
+        <p:nvPr/>
+      </p:nvGrpSpPr>
+      <p:grpSpPr>
+        <a:xfrm>
+          <a:off x="0" y="0"/>
+          <a:ext cx="0" cy="0"/>
+          <a:chOff x="0" y="0"/>
+          <a:chExt cx="0" cy="0"/>
+        </a:xfrm>
+      </p:grpSpPr>
+      <p:sp>
+        <p:nvSpPr>
+          <p:cNvPr id="71" name="Down Arrow 7">
+            <a:extLst>
+              <a:ext uri="{FF2B5EF4-FFF2-40B4-BE49-F238E27FC236}">
+                <a16:creationId xmlns:a16="http://schemas.microsoft.com/office/drawing/2014/main" id="{D4771268-CB57-404A-9271-370EB28F6090}"/>
+              </a:ext>
+              <a:ext uri="{C183D7F6-B498-43B3-948B-1728B52AA6E4}">
+                <adec:decorative xmlns:adec="http://schemas.microsoft.com/office/drawing/2017/decorative" val="1"/>
+              </a:ext>
+            </a:extLst>
+          </p:cNvPr>
+          <p:cNvSpPr>
+            <a:spLocks noGrp="1" noRot="1" noChangeAspect="1" noMove="1" noResize="1" noEditPoints="1" noAdjustHandles="1" noChangeArrowheads="1" noChangeShapeType="1" noTextEdit="1"/>
+          </p:cNvSpPr>
+          <p:nvPr>
+            <p:extLst>
+              <p:ext uri="{386F3935-93C4-4BCD-93E2-E3B085C9AB24}">
+                <p16:designElem xmlns:p16="http://schemas.microsoft.com/office/powerpoint/2015/main" val="1"/>
+              </p:ext>
+            </p:extLst>
+          </p:nvPr>
+        </p:nvSpPr>
+        <p:spPr>
+          <a:xfrm rot="16200000">
+            <a:off x="800100" y="1491343"/>
+            <a:ext cx="3333749" cy="3499103"/>
+          </a:xfrm>
+          <a:prstGeom prst="downArrow">
+            <a:avLst>
+              <a:gd name="adj1" fmla="val 100000"/>
+              <a:gd name="adj2" fmla="val 15788"/>
+            </a:avLst>
+          </a:prstGeom>
+          <a:solidFill>
+            <a:srgbClr val="404040"/>
+          </a:solidFill>
+          <a:ln w="53975">
+            <a:noFill/>
+          </a:ln>
+        </p:spPr>
+        <p:style>
+          <a:lnRef idx="2">
+            <a:schemeClr val="accent1">
+              <a:shade val="50000"/>
+            </a:schemeClr>
+          </a:lnRef>
+          <a:fillRef idx="1">
+            <a:schemeClr val="accent1"/>
+          </a:fillRef>
+          <a:effectRef idx="0">
+            <a:schemeClr val="accent1"/>
+          </a:effectRef>
+          <a:fontRef idx="minor">
+            <a:schemeClr val="lt1"/>
+          </a:fontRef>
+        </p:style>
+        <p:txBody>
+          <a:bodyPr rtlCol="0" anchor="ctr"/>
+          <a:lstStyle/>
+          <a:p>
+            <a:pPr algn="ctr"/>
+            <a:endParaRPr lang="en-US"/>
+          </a:p>
+        </p:txBody>
+      </p:sp>
+      <p:sp>
+        <p:nvSpPr>
+          <p:cNvPr id="2" name="Title 1">
+            <a:extLst>
+              <a:ext uri="{FF2B5EF4-FFF2-40B4-BE49-F238E27FC236}">
+                <a16:creationId xmlns:a16="http://schemas.microsoft.com/office/drawing/2014/main" id="{EB8196F0-41CF-4187-B552-12F7478C1A99}"/>
+              </a:ext>
+            </a:extLst>
+          </p:cNvPr>
+          <p:cNvSpPr>
+            <a:spLocks noGrp="1"/>
+          </p:cNvSpPr>
+          <p:nvPr>
+            <p:ph type="title"/>
+          </p:nvPr>
+        </p:nvSpPr>
+        <p:spPr>
+          <a:xfrm>
+            <a:off x="990600" y="1967266"/>
+            <a:ext cx="2628900" cy="2547257"/>
+          </a:xfrm>
+          <a:noFill/>
+        </p:spPr>
+        <p:txBody>
+          <a:bodyPr vert="horz" lIns="91440" tIns="45720" rIns="91440" bIns="45720" rtlCol="0" anchor="ctr">
+            <a:normAutofit/>
+          </a:bodyPr>
+          <a:lstStyle/>
+          <a:p>
+            <a:pPr algn="ctr"/>
+            <a:r>
+              <a:rPr lang="en-US" sz="3600" kern="1200" dirty="0">
+                <a:solidFill>
+                  <a:srgbClr val="FFFFFF"/>
+                </a:solidFill>
+                <a:latin typeface="+mj-lt"/>
+                <a:ea typeface="+mj-ea"/>
+                <a:cs typeface="+mj-cs"/>
+              </a:rPr>
+              <a:t>Interface with Arduino</a:t>
+            </a:r>
+          </a:p>
+        </p:txBody>
+      </p:sp>
+      <p:pic>
+        <p:nvPicPr>
+          <p:cNvPr id="3074" name="Picture 2" descr="Passive Infrared PIR Sensor Pinout Diagram">
+            <a:extLst>
+              <a:ext uri="{FF2B5EF4-FFF2-40B4-BE49-F238E27FC236}">
+                <a16:creationId xmlns:a16="http://schemas.microsoft.com/office/drawing/2014/main" id="{40DE1F6B-3221-4510-A85D-3E2EBCDB670F}"/>
+              </a:ext>
+            </a:extLst>
+          </p:cNvPr>
+          <p:cNvPicPr>
+            <a:picLocks noGrp="1" noChangeAspect="1" noChangeArrowheads="1"/>
+          </p:cNvPicPr>
+          <p:nvPr>
+            <p:ph idx="1"/>
+          </p:nvPr>
+        </p:nvPicPr>
+        <p:blipFill>
+          <a:blip r:embed="rId2">
+            <a:extLst>
+              <a:ext uri="{28A0092B-C50C-407E-A947-70E740481C1C}">
+                <a14:useLocalDpi xmlns:a14="http://schemas.microsoft.com/office/drawing/2010/main" val="0"/>
+              </a:ext>
+            </a:extLst>
+          </a:blip>
+          <a:stretch>
+            <a:fillRect/>
+          </a:stretch>
+        </p:blipFill>
+        <p:spPr bwMode="auto">
+          <a:xfrm>
+            <a:off x="5278226" y="643466"/>
+            <a:ext cx="5778879" cy="5568739"/>
+          </a:xfrm>
+          <a:prstGeom prst="rect">
+            <a:avLst/>
+          </a:prstGeom>
+          <a:noFill/>
+          <a:extLst>
+            <a:ext uri="{909E8E84-426E-40DD-AFC4-6F175D3DCCD1}">
+              <a14:hiddenFill xmlns:a14="http://schemas.microsoft.com/office/drawing/2010/main">
+                <a:solidFill>
+                  <a:srgbClr val="FFFFFF"/>
+                </a:solidFill>
+              </a14:hiddenFill>
+            </a:ext>
+          </a:extLst>
+        </p:spPr>
+      </p:pic>
+      <p:sp>
+        <p:nvSpPr>
+          <p:cNvPr id="5" name="TextBox 4">
+            <a:extLst>
+              <a:ext uri="{FF2B5EF4-FFF2-40B4-BE49-F238E27FC236}">
+                <a16:creationId xmlns:a16="http://schemas.microsoft.com/office/drawing/2014/main" id="{3F766888-6FDD-476F-9DC0-7783D3689849}"/>
+              </a:ext>
+            </a:extLst>
+          </p:cNvPr>
+          <p:cNvSpPr txBox="1"/>
+          <p:nvPr/>
+        </p:nvSpPr>
+        <p:spPr>
+          <a:xfrm>
+            <a:off x="5719994" y="4440705"/>
+            <a:ext cx="2270826" cy="369332"/>
+          </a:xfrm>
+          <a:prstGeom prst="rect">
+            <a:avLst/>
+          </a:prstGeom>
+          <a:noFill/>
+        </p:spPr>
+        <p:txBody>
+          <a:bodyPr wrap="square" rtlCol="0">
+            <a:spAutoFit/>
+          </a:bodyPr>
+          <a:lstStyle/>
+          <a:p>
+            <a:r>
+              <a:rPr lang="en-US" dirty="0">
+                <a:latin typeface="Bahnschrift Light" panose="020B0502040204020203" pitchFamily="34" charset="0"/>
+              </a:rPr>
+              <a:t>5V</a:t>
+            </a:r>
+          </a:p>
+        </p:txBody>
+      </p:sp>
+    </p:spTree>
+    <p:extLst>
+      <p:ext uri="{BB962C8B-B14F-4D97-AF65-F5344CB8AC3E}">
+        <p14:creationId xmlns:p14="http://schemas.microsoft.com/office/powerpoint/2010/main" val="3541696185"/>
+      </p:ext>
+    </p:extLst>
+  </p:cSld>
+  <p:clrMapOvr>
+    <a:masterClrMapping/>
+  </p:clrMapOvr>
+</p:sld>
+</file>
+
+<file path=ppt/slides/slide8.xml><?xml version="1.0" encoding="utf-8"?>
+<p:sld xmlns:a="http://schemas.openxmlformats.org/drawingml/2006/main" xmlns:r="http://schemas.openxmlformats.org/officeDocument/2006/relationships" xmlns:p="http://schemas.openxmlformats.org/presentationml/2006/main">
+  <p:cSld>
+    <p:bg>
+      <p:bgPr>
+        <a:solidFill>
+          <a:schemeClr val="bg1"/>
+        </a:solidFill>
+        <a:effectLst/>
+      </p:bgPr>
+    </p:bg>
+    <p:spTree>
+      <p:nvGrpSpPr>
+        <p:cNvPr id="1" name=""/>
+        <p:cNvGrpSpPr/>
+        <p:nvPr/>
+      </p:nvGrpSpPr>
+      <p:grpSpPr>
+        <a:xfrm>
+          <a:off x="0" y="0"/>
+          <a:ext cx="0" cy="0"/>
+          <a:chOff x="0" y="0"/>
+          <a:chExt cx="0" cy="0"/>
+        </a:xfrm>
+      </p:grpSpPr>
+      <p:sp useBgFill="1">
+        <p:nvSpPr>
+          <p:cNvPr id="22" name="Rectangle 21">
+            <a:extLst>
+              <a:ext uri="{FF2B5EF4-FFF2-40B4-BE49-F238E27FC236}">
+                <a16:creationId xmlns:a16="http://schemas.microsoft.com/office/drawing/2014/main" id="{5AA03EDC-7067-4DFF-B672-541D016AAAB8}"/>
+              </a:ext>
+              <a:ext uri="{C183D7F6-B498-43B3-948B-1728B52AA6E4}">
+                <adec:decorative xmlns:adec="http://schemas.microsoft.com/office/drawing/2017/decorative" val="1"/>
+              </a:ext>
+            </a:extLst>
+          </p:cNvPr>
+          <p:cNvSpPr>
+            <a:spLocks noGrp="1" noRot="1" noChangeAspect="1" noMove="1" noResize="1" noEditPoints="1" noAdjustHandles="1" noChangeArrowheads="1" noChangeShapeType="1" noTextEdit="1"/>
+          </p:cNvSpPr>
+          <p:nvPr>
+            <p:extLst>
+              <p:ext uri="{386F3935-93C4-4BCD-93E2-E3B085C9AB24}">
+                <p16:designElem xmlns:p16="http://schemas.microsoft.com/office/powerpoint/2015/main" val="1"/>
+              </p:ext>
+            </p:extLst>
+          </p:nvPr>
+        </p:nvSpPr>
+        <p:spPr>
+          <a:xfrm>
+            <a:off x="0" y="0"/>
+            <a:ext cx="12192000" cy="6858000"/>
+          </a:xfrm>
+          <a:prstGeom prst="rect">
+            <a:avLst/>
+          </a:prstGeom>
+          <a:ln w="12700" cap="flat" cmpd="sng" algn="ctr">
+            <a:noFill/>
+            <a:prstDash val="solid"/>
+            <a:miter lim="800000"/>
+          </a:ln>
+          <a:effectLst/>
+          <a:extLst>
+            <a:ext uri="{91240B29-F687-4F45-9708-019B960494DF}">
+              <a14:hiddenLine xmlns:a14="http://schemas.microsoft.com/office/drawing/2010/main" w="12700" cap="flat" cmpd="sng" algn="ctr">
+                <a:solidFill>
+                  <a:schemeClr val="accent1">
+                    <a:shade val="50000"/>
+                  </a:schemeClr>
+                </a:solidFill>
+                <a:prstDash val="solid"/>
+                <a:miter lim="800000"/>
+              </a14:hiddenLine>
+            </a:ext>
+          </a:extLst>
+        </p:spPr>
+        <p:style>
+          <a:lnRef idx="2">
+            <a:schemeClr val="accent1">
+              <a:shade val="50000"/>
+            </a:schemeClr>
+          </a:lnRef>
+          <a:fillRef idx="1">
+            <a:schemeClr val="accent1"/>
+          </a:fillRef>
+          <a:effectRef idx="0">
+            <a:schemeClr val="accent1"/>
+          </a:effectRef>
+          <a:fontRef idx="minor">
+            <a:schemeClr val="lt1"/>
+          </a:fontRef>
+        </p:style>
+        <p:txBody>
+          <a:bodyPr rtlCol="0" anchor="ctr"/>
+          <a:lstStyle/>
+          <a:p>
+            <a:pPr algn="ctr"/>
+            <a:endParaRPr lang="en-US"/>
+          </a:p>
+        </p:txBody>
+      </p:sp>
+      <p:sp>
+        <p:nvSpPr>
+          <p:cNvPr id="24" name="Rectangle 23">
+            <a:extLst>
+              <a:ext uri="{FF2B5EF4-FFF2-40B4-BE49-F238E27FC236}">
+                <a16:creationId xmlns:a16="http://schemas.microsoft.com/office/drawing/2014/main" id="{0EBF3E39-B0BE-496A-8604-9007470FFA3A}"/>
+              </a:ext>
+              <a:ext uri="{C183D7F6-B498-43B3-948B-1728B52AA6E4}">
+                <adec:decorative xmlns:adec="http://schemas.microsoft.com/office/drawing/2017/decorative" val="1"/>
+              </a:ext>
+            </a:extLst>
+          </p:cNvPr>
+          <p:cNvSpPr>
+            <a:spLocks noGrp="1" noRot="1" noChangeAspect="1" noMove="1" noResize="1" noEditPoints="1" noAdjustHandles="1" noChangeArrowheads="1" noChangeShapeType="1" noTextEdit="1"/>
+          </p:cNvSpPr>
+          <p:nvPr>
+            <p:extLst>
+              <p:ext uri="{386F3935-93C4-4BCD-93E2-E3B085C9AB24}">
+                <p16:designElem xmlns:p16="http://schemas.microsoft.com/office/powerpoint/2015/main" val="1"/>
+              </p:ext>
+            </p:extLst>
+          </p:nvPr>
+        </p:nvSpPr>
+        <p:spPr>
+          <a:xfrm>
+            <a:off x="0" y="0"/>
+            <a:ext cx="6096000" cy="6865473"/>
+          </a:xfrm>
+          <a:prstGeom prst="rect">
+            <a:avLst/>
+          </a:prstGeom>
+          <a:solidFill>
+            <a:schemeClr val="accent2">
+              <a:lumMod val="20000"/>
+              <a:lumOff val="80000"/>
+            </a:schemeClr>
+          </a:solidFill>
+          <a:ln>
+            <a:noFill/>
+          </a:ln>
+        </p:spPr>
+        <p:style>
+          <a:lnRef idx="2">
+            <a:schemeClr val="accent1">
+              <a:shade val="50000"/>
+            </a:schemeClr>
+          </a:lnRef>
+          <a:fillRef idx="1">
+            <a:schemeClr val="accent1"/>
+          </a:fillRef>
+          <a:effectRef idx="0">
+            <a:schemeClr val="accent1"/>
+          </a:effectRef>
+          <a:fontRef idx="minor">
+            <a:schemeClr val="lt1"/>
+          </a:fontRef>
+        </p:style>
+        <p:txBody>
+          <a:bodyPr rtlCol="0" anchor="ctr"/>
+          <a:lstStyle/>
+          <a:p>
+            <a:pPr algn="ctr"/>
+            <a:endParaRPr lang="en-US"/>
+          </a:p>
+        </p:txBody>
+      </p:sp>
+      <p:sp>
+        <p:nvSpPr>
+          <p:cNvPr id="2" name="Title 1">
+            <a:extLst>
+              <a:ext uri="{FF2B5EF4-FFF2-40B4-BE49-F238E27FC236}">
+                <a16:creationId xmlns:a16="http://schemas.microsoft.com/office/drawing/2014/main" id="{65F06AED-7331-4BC2-B69A-1EB1F4B2C52A}"/>
+              </a:ext>
+            </a:extLst>
+          </p:cNvPr>
+          <p:cNvSpPr>
+            <a:spLocks noGrp="1"/>
+          </p:cNvSpPr>
+          <p:nvPr>
+            <p:ph type="title"/>
+          </p:nvPr>
+        </p:nvSpPr>
+        <p:spPr>
+          <a:xfrm>
+            <a:off x="871442" y="685800"/>
+            <a:ext cx="4353116" cy="1474666"/>
+          </a:xfrm>
+        </p:spPr>
+        <p:txBody>
+          <a:bodyPr anchor="b">
+            <a:normAutofit/>
+          </a:bodyPr>
+          <a:lstStyle/>
+          <a:p>
+            <a:pPr algn="ctr"/>
+            <a:r>
+              <a:rPr lang="en-US" sz="5400">
+                <a:solidFill>
+                  <a:srgbClr val="595959"/>
+                </a:solidFill>
+              </a:rPr>
+              <a:t>Highlights</a:t>
+            </a:r>
+            <a:endParaRPr lang="en-US" sz="5400" dirty="0">
+              <a:solidFill>
+                <a:srgbClr val="595959"/>
+              </a:solidFill>
+            </a:endParaRPr>
+          </a:p>
+        </p:txBody>
+      </p:sp>
+      <p:sp>
+        <p:nvSpPr>
+          <p:cNvPr id="3" name="Content Placeholder 2">
+            <a:extLst>
+              <a:ext uri="{FF2B5EF4-FFF2-40B4-BE49-F238E27FC236}">
+                <a16:creationId xmlns:a16="http://schemas.microsoft.com/office/drawing/2014/main" id="{C434C578-7F2F-451D-8D2B-608A98EFEDFA}"/>
+              </a:ext>
+            </a:extLst>
+          </p:cNvPr>
+          <p:cNvSpPr>
+            <a:spLocks noGrp="1"/>
+          </p:cNvSpPr>
+          <p:nvPr>
+            <p:ph idx="1"/>
+          </p:nvPr>
+        </p:nvSpPr>
+        <p:spPr>
+          <a:xfrm>
+            <a:off x="871442" y="2447337"/>
+            <a:ext cx="4353116" cy="3770434"/>
+          </a:xfrm>
+        </p:spPr>
+        <p:txBody>
+          <a:bodyPr anchor="t">
+            <a:normAutofit/>
+          </a:bodyPr>
+          <a:lstStyle/>
+          <a:p>
+            <a:pPr marL="0" indent="0">
+              <a:buNone/>
+            </a:pPr>
+            <a:r>
+              <a:rPr lang="en-US" sz="2000" dirty="0">
+                <a:solidFill>
+                  <a:srgbClr val="595959"/>
+                </a:solidFill>
+                <a:sym typeface="Wingdings" panose="05000000000000000000" pitchFamily="2" charset="2"/>
+              </a:rPr>
+              <a:t> </a:t>
+            </a:r>
+            <a:r>
+              <a:rPr lang="en-US" sz="2000" dirty="0">
+                <a:solidFill>
+                  <a:srgbClr val="595959"/>
+                </a:solidFill>
+              </a:rPr>
+              <a:t>HC-SR501 uses Infrared Mechanism to detect motion</a:t>
+            </a:r>
+          </a:p>
+          <a:p>
+            <a:pPr marL="0" indent="0">
+              <a:buNone/>
+            </a:pPr>
+            <a:endParaRPr lang="en-US" sz="2000" dirty="0">
+              <a:solidFill>
+                <a:srgbClr val="595959"/>
+              </a:solidFill>
+            </a:endParaRPr>
+          </a:p>
+          <a:p>
+            <a:pPr marL="0" indent="0">
+              <a:buNone/>
+            </a:pPr>
+            <a:r>
+              <a:rPr lang="en-US" sz="2000" dirty="0">
+                <a:solidFill>
+                  <a:srgbClr val="595959"/>
+                </a:solidFill>
+                <a:sym typeface="Wingdings" panose="05000000000000000000" pitchFamily="2" charset="2"/>
+              </a:rPr>
+              <a:t> </a:t>
+            </a:r>
+            <a:r>
+              <a:rPr lang="en-US" sz="2000" dirty="0">
+                <a:solidFill>
+                  <a:srgbClr val="595959"/>
+                </a:solidFill>
+              </a:rPr>
+              <a:t>Adjustable functionalities</a:t>
+            </a:r>
+          </a:p>
+          <a:p>
+            <a:pPr marL="0" indent="0">
+              <a:buNone/>
+            </a:pPr>
+            <a:endParaRPr lang="en-US" sz="2000" dirty="0">
+              <a:solidFill>
+                <a:srgbClr val="595959"/>
+              </a:solidFill>
+            </a:endParaRPr>
+          </a:p>
+          <a:p>
+            <a:pPr>
+              <a:buFont typeface="Wingdings" panose="05000000000000000000" pitchFamily="2" charset="2"/>
+              <a:buChar char="à"/>
+            </a:pPr>
+            <a:r>
+              <a:rPr lang="en-US" sz="2000" dirty="0">
+                <a:solidFill>
+                  <a:srgbClr val="595959"/>
+                </a:solidFill>
+              </a:rPr>
+              <a:t> Easy to interface with Arduino with 3 ports</a:t>
+            </a:r>
+          </a:p>
+          <a:p>
+            <a:pPr>
+              <a:buFont typeface="Wingdings" panose="05000000000000000000" pitchFamily="2" charset="2"/>
+              <a:buChar char="à"/>
+            </a:pPr>
+            <a:endParaRPr lang="en-US" sz="2000" dirty="0">
+              <a:solidFill>
+                <a:srgbClr val="595959"/>
+              </a:solidFill>
+            </a:endParaRPr>
+          </a:p>
+          <a:p>
+            <a:pPr>
+              <a:buFont typeface="Wingdings" panose="05000000000000000000" pitchFamily="2" charset="2"/>
+              <a:buChar char="à"/>
+            </a:pPr>
+            <a:r>
+              <a:rPr lang="en-US" sz="2000" dirty="0">
+                <a:solidFill>
+                  <a:srgbClr val="595959"/>
+                </a:solidFill>
+              </a:rPr>
+              <a:t> Operating Voltage: 5V</a:t>
+            </a:r>
+          </a:p>
+          <a:p>
+            <a:pPr>
+              <a:buFont typeface="Wingdings" panose="05000000000000000000" pitchFamily="2" charset="2"/>
+              <a:buChar char="à"/>
+            </a:pPr>
+            <a:endParaRPr lang="en-US" sz="2000" dirty="0">
+              <a:solidFill>
+                <a:srgbClr val="595959"/>
+              </a:solidFill>
+            </a:endParaRPr>
+          </a:p>
+          <a:p>
+            <a:pPr marL="0" indent="0">
+              <a:buNone/>
+            </a:pPr>
+            <a:endParaRPr lang="en-US" sz="2000" dirty="0">
+              <a:solidFill>
+                <a:srgbClr val="595959"/>
+              </a:solidFill>
+            </a:endParaRPr>
+          </a:p>
+          <a:p>
+            <a:endParaRPr lang="en-US" sz="2000" dirty="0">
+              <a:solidFill>
+                <a:srgbClr val="595959"/>
+              </a:solidFill>
+            </a:endParaRPr>
+          </a:p>
+        </p:txBody>
+      </p:sp>
+      <p:pic>
+        <p:nvPicPr>
+          <p:cNvPr id="17" name="Picture 2">
+            <a:extLst>
+              <a:ext uri="{FF2B5EF4-FFF2-40B4-BE49-F238E27FC236}">
+                <a16:creationId xmlns:a16="http://schemas.microsoft.com/office/drawing/2014/main" id="{D7839C0C-4B3B-4E37-AD73-76352D9A3504}"/>
+              </a:ext>
+            </a:extLst>
+          </p:cNvPr>
+          <p:cNvPicPr>
+            <a:picLocks noChangeAspect="1" noChangeArrowheads="1"/>
+          </p:cNvPicPr>
+          <p:nvPr/>
+        </p:nvPicPr>
+        <p:blipFill>
+          <a:blip r:embed="rId2">
+            <a:extLst>
+              <a:ext uri="{28A0092B-C50C-407E-A947-70E740481C1C}">
+                <a14:useLocalDpi xmlns:a14="http://schemas.microsoft.com/office/drawing/2010/main" val="0"/>
+              </a:ext>
+            </a:extLst>
+          </a:blip>
+          <a:stretch>
+            <a:fillRect/>
+          </a:stretch>
+        </p:blipFill>
+        <p:spPr bwMode="auto">
+          <a:xfrm>
+            <a:off x="6781801" y="1850768"/>
+            <a:ext cx="4797056" cy="3202034"/>
+          </a:xfrm>
+          <a:prstGeom prst="rect">
+            <a:avLst/>
+          </a:prstGeom>
+          <a:noFill/>
+          <a:extLst>
+            <a:ext uri="{909E8E84-426E-40DD-AFC4-6F175D3DCCD1}">
+              <a14:hiddenFill xmlns:a14="http://schemas.microsoft.com/office/drawing/2010/main">
+                <a:solidFill>
+                  <a:srgbClr val="FFFFFF"/>
+                </a:solidFill>
+              </a14:hiddenFill>
+            </a:ext>
+          </a:extLst>
+        </p:spPr>
+      </p:pic>
+    </p:spTree>
+    <p:extLst>
+      <p:ext uri="{BB962C8B-B14F-4D97-AF65-F5344CB8AC3E}">
+        <p14:creationId xmlns:p14="http://schemas.microsoft.com/office/powerpoint/2010/main" val="4163473376"/>
+      </p:ext>
+    </p:extLst>
+  </p:cSld>
+  <p:clrMapOvr>
+    <a:masterClrMapping/>
+  </p:clrMapOvr>
+</p:sld>
+</file>
+
+<file path=ppt/slides/slide9.xml><?xml version="1.0" encoding="utf-8"?>
+<p:sld xmlns:a="http://schemas.openxmlformats.org/drawingml/2006/main" xmlns:r="http://schemas.openxmlformats.org/officeDocument/2006/relationships" xmlns:p="http://schemas.openxmlformats.org/presentationml/2006/main" show="0">
+  <p:cSld>
+    <p:bg>
+      <p:bgPr>
+        <a:solidFill>
+          <a:schemeClr val="bg1"/>
+        </a:solidFill>
+        <a:effectLst/>
+      </p:bgPr>
+    </p:bg>
+    <p:spTree>
+      <p:nvGrpSpPr>
+        <p:cNvPr id="1" name=""/>
+        <p:cNvGrpSpPr/>
+        <p:nvPr/>
+      </p:nvGrpSpPr>
+      <p:grpSpPr>
+        <a:xfrm>
+          <a:off x="0" y="0"/>
+          <a:ext cx="0" cy="0"/>
+          <a:chOff x="0" y="0"/>
+          <a:chExt cx="0" cy="0"/>
+        </a:xfrm>
+      </p:grpSpPr>
+      <p:sp>
+        <p:nvSpPr>
+          <p:cNvPr id="73" name="Rectangle 72">
+            <a:extLst>
+              <a:ext uri="{FF2B5EF4-FFF2-40B4-BE49-F238E27FC236}">
+                <a16:creationId xmlns:a16="http://schemas.microsoft.com/office/drawing/2014/main" id="{823AC064-BC96-4F32-8AE1-B2FD38754823}"/>
+              </a:ext>
+              <a:ext uri="{C183D7F6-B498-43B3-948B-1728B52AA6E4}">
+                <adec:decorative xmlns:adec="http://schemas.microsoft.com/office/drawing/2017/decorative" val="1"/>
+              </a:ext>
+            </a:extLst>
+          </p:cNvPr>
+          <p:cNvSpPr>
+            <a:spLocks noGrp="1" noRot="1" noChangeAspect="1" noMove="1" noResize="1" noEditPoints="1" noAdjustHandles="1" noChangeArrowheads="1" noChangeShapeType="1" noTextEdit="1"/>
+          </p:cNvSpPr>
+          <p:nvPr>
+            <p:extLst>
+              <p:ext uri="{386F3935-93C4-4BCD-93E2-E3B085C9AB24}">
+                <p16:designElem xmlns:p16="http://schemas.microsoft.com/office/powerpoint/2015/main" val="1"/>
+              </p:ext>
+            </p:extLst>
+          </p:nvPr>
+        </p:nvSpPr>
+        <p:spPr bwMode="ltGray">
+          <a:xfrm>
+            <a:off x="396882" y="280374"/>
+            <a:ext cx="11438793" cy="1844256"/>
+          </a:xfrm>
+          <a:prstGeom prst="rect">
+            <a:avLst/>
+          </a:prstGeom>
+          <a:solidFill>
+            <a:srgbClr val="404040"/>
+          </a:solidFill>
+          <a:ln w="127000" cap="sq" cmpd="thinThick">
+            <a:solidFill>
+              <a:srgbClr val="404040"/>
+            </a:solidFill>
+          </a:ln>
+        </p:spPr>
+        <p:style>
+          <a:lnRef idx="2">
+            <a:schemeClr val="accent1">
+              <a:shade val="50000"/>
+            </a:schemeClr>
+          </a:lnRef>
+          <a:fillRef idx="1">
+            <a:schemeClr val="accent1"/>
+          </a:fillRef>
+          <a:effectRef idx="0">
+            <a:schemeClr val="accent1"/>
+          </a:effectRef>
+          <a:fontRef idx="minor">
+            <a:schemeClr val="lt1"/>
+          </a:fontRef>
+        </p:style>
+        <p:txBody>
+          <a:bodyPr rtlCol="0" anchor="ctr"/>
+          <a:lstStyle/>
+          <a:p>
+            <a:pPr algn="ctr"/>
+            <a:endParaRPr lang="en-US"/>
+          </a:p>
+        </p:txBody>
+      </p:sp>
+      <p:sp>
+        <p:nvSpPr>
+          <p:cNvPr id="2" name="Title 1">
+            <a:extLst>
+              <a:ext uri="{FF2B5EF4-FFF2-40B4-BE49-F238E27FC236}">
                 <a16:creationId xmlns:a16="http://schemas.microsoft.com/office/drawing/2014/main" id="{345CB3FD-8C28-413F-8BE1-5AB1298B16D4}"/>
               </a:ext>
             </a:extLst>
@@ -4449,7 +6501,7 @@
           <p:nvPr/>
         </p:nvPicPr>
         <p:blipFill>
-          <a:blip r:embed="rId2">
+          <a:blip r:embed="rId3">
             <a:extLst>
               <a:ext uri="{28A0092B-C50C-407E-A947-70E740481C1C}">
                 <a14:useLocalDpi xmlns:a14="http://schemas.microsoft.com/office/drawing/2010/main" val="0"/>
@@ -4547,7 +6599,7 @@
           <p:nvPr/>
         </p:nvPicPr>
         <p:blipFill>
-          <a:blip r:embed="rId3">
+          <a:blip r:embed="rId4">
             <a:extLst>
               <a:ext uri="{28A0092B-C50C-407E-A947-70E740481C1C}">
                 <a14:useLocalDpi xmlns:a14="http://schemas.microsoft.com/office/drawing/2010/main" val="0"/>
@@ -4582,226 +6634,6 @@
     <p:extLst>
       <p:ext uri="{BB962C8B-B14F-4D97-AF65-F5344CB8AC3E}">
         <p14:creationId xmlns:p14="http://schemas.microsoft.com/office/powerpoint/2010/main" val="2913609844"/>
-      </p:ext>
-    </p:extLst>
-  </p:cSld>
-  <p:clrMapOvr>
-    <a:masterClrMapping/>
-  </p:clrMapOvr>
-</p:sld>
-</file>
-
-<file path=ppt/slides/slide6.xml><?xml version="1.0" encoding="utf-8"?>
-<p:sld xmlns:a="http://schemas.openxmlformats.org/drawingml/2006/main" xmlns:r="http://schemas.openxmlformats.org/officeDocument/2006/relationships" xmlns:p="http://schemas.openxmlformats.org/presentationml/2006/main">
-  <p:cSld>
-    <p:spTree>
-      <p:nvGrpSpPr>
-        <p:cNvPr id="1" name=""/>
-        <p:cNvGrpSpPr/>
-        <p:nvPr/>
-      </p:nvGrpSpPr>
-      <p:grpSpPr>
-        <a:xfrm>
-          <a:off x="0" y="0"/>
-          <a:ext cx="0" cy="0"/>
-          <a:chOff x="0" y="0"/>
-          <a:chExt cx="0" cy="0"/>
-        </a:xfrm>
-      </p:grpSpPr>
-      <p:sp>
-        <p:nvSpPr>
-          <p:cNvPr id="2" name="Title 1">
-            <a:extLst>
-              <a:ext uri="{FF2B5EF4-FFF2-40B4-BE49-F238E27FC236}">
-                <a16:creationId xmlns:a16="http://schemas.microsoft.com/office/drawing/2014/main" id="{EB8196F0-41CF-4187-B552-12F7478C1A99}"/>
-              </a:ext>
-            </a:extLst>
-          </p:cNvPr>
-          <p:cNvSpPr>
-            <a:spLocks noGrp="1"/>
-          </p:cNvSpPr>
-          <p:nvPr>
-            <p:ph type="title"/>
-          </p:nvPr>
-        </p:nvSpPr>
-        <p:spPr/>
-        <p:txBody>
-          <a:bodyPr/>
-          <a:lstStyle/>
-          <a:p>
-            <a:pPr algn="ctr"/>
-            <a:r>
-              <a:rPr lang="en-US" dirty="0"/>
-              <a:t>Connect with Arduino</a:t>
-            </a:r>
-          </a:p>
-        </p:txBody>
-      </p:sp>
-      <p:pic>
-        <p:nvPicPr>
-          <p:cNvPr id="3074" name="Picture 2" descr="Passive Infrared PIR Sensor Pinout Diagram">
-            <a:extLst>
-              <a:ext uri="{FF2B5EF4-FFF2-40B4-BE49-F238E27FC236}">
-                <a16:creationId xmlns:a16="http://schemas.microsoft.com/office/drawing/2014/main" id="{40DE1F6B-3221-4510-A85D-3E2EBCDB670F}"/>
-              </a:ext>
-            </a:extLst>
-          </p:cNvPr>
-          <p:cNvPicPr>
-            <a:picLocks noGrp="1" noChangeAspect="1" noChangeArrowheads="1"/>
-          </p:cNvPicPr>
-          <p:nvPr>
-            <p:ph idx="1"/>
-          </p:nvPr>
-        </p:nvPicPr>
-        <p:blipFill>
-          <a:blip r:embed="rId2">
-            <a:extLst>
-              <a:ext uri="{28A0092B-C50C-407E-A947-70E740481C1C}">
-                <a14:useLocalDpi xmlns:a14="http://schemas.microsoft.com/office/drawing/2010/main" val="0"/>
-              </a:ext>
-            </a:extLst>
-          </a:blip>
-          <a:srcRect/>
-          <a:stretch>
-            <a:fillRect/>
-          </a:stretch>
-        </p:blipFill>
-        <p:spPr bwMode="auto">
-          <a:xfrm>
-            <a:off x="4011930" y="1721182"/>
-            <a:ext cx="5074920" cy="4890377"/>
-          </a:xfrm>
-          <a:prstGeom prst="rect">
-            <a:avLst/>
-          </a:prstGeom>
-          <a:noFill/>
-          <a:extLst>
-            <a:ext uri="{909E8E84-426E-40DD-AFC4-6F175D3DCCD1}">
-              <a14:hiddenFill xmlns:a14="http://schemas.microsoft.com/office/drawing/2010/main">
-                <a:solidFill>
-                  <a:srgbClr val="FFFFFF"/>
-                </a:solidFill>
-              </a14:hiddenFill>
-            </a:ext>
-          </a:extLst>
-        </p:spPr>
-      </p:pic>
-    </p:spTree>
-    <p:extLst>
-      <p:ext uri="{BB962C8B-B14F-4D97-AF65-F5344CB8AC3E}">
-        <p14:creationId xmlns:p14="http://schemas.microsoft.com/office/powerpoint/2010/main" val="3541696185"/>
-      </p:ext>
-    </p:extLst>
-  </p:cSld>
-  <p:clrMapOvr>
-    <a:masterClrMapping/>
-  </p:clrMapOvr>
-</p:sld>
-</file>
-
-<file path=ppt/slides/slide7.xml><?xml version="1.0" encoding="utf-8"?>
-<p:sld xmlns:a="http://schemas.openxmlformats.org/drawingml/2006/main" xmlns:r="http://schemas.openxmlformats.org/officeDocument/2006/relationships" xmlns:p="http://schemas.openxmlformats.org/presentationml/2006/main">
-  <p:cSld>
-    <p:spTree>
-      <p:nvGrpSpPr>
-        <p:cNvPr id="1" name=""/>
-        <p:cNvGrpSpPr/>
-        <p:nvPr/>
-      </p:nvGrpSpPr>
-      <p:grpSpPr>
-        <a:xfrm>
-          <a:off x="0" y="0"/>
-          <a:ext cx="0" cy="0"/>
-          <a:chOff x="0" y="0"/>
-          <a:chExt cx="0" cy="0"/>
-        </a:xfrm>
-      </p:grpSpPr>
-      <p:sp>
-        <p:nvSpPr>
-          <p:cNvPr id="2" name="Title 1">
-            <a:extLst>
-              <a:ext uri="{FF2B5EF4-FFF2-40B4-BE49-F238E27FC236}">
-                <a16:creationId xmlns:a16="http://schemas.microsoft.com/office/drawing/2014/main" id="{65F06AED-7331-4BC2-B69A-1EB1F4B2C52A}"/>
-              </a:ext>
-            </a:extLst>
-          </p:cNvPr>
-          <p:cNvSpPr>
-            <a:spLocks noGrp="1"/>
-          </p:cNvSpPr>
-          <p:nvPr>
-            <p:ph type="title"/>
-          </p:nvPr>
-        </p:nvSpPr>
-        <p:spPr/>
-        <p:txBody>
-          <a:bodyPr/>
-          <a:lstStyle/>
-          <a:p>
-            <a:pPr algn="ctr"/>
-            <a:r>
-              <a:rPr lang="en-US" dirty="0" err="1"/>
-              <a:t>HighLights</a:t>
-            </a:r>
-            <a:endParaRPr lang="en-US" dirty="0"/>
-          </a:p>
-        </p:txBody>
-      </p:sp>
-      <p:sp>
-        <p:nvSpPr>
-          <p:cNvPr id="3" name="Content Placeholder 2">
-            <a:extLst>
-              <a:ext uri="{FF2B5EF4-FFF2-40B4-BE49-F238E27FC236}">
-                <a16:creationId xmlns:a16="http://schemas.microsoft.com/office/drawing/2014/main" id="{C434C578-7F2F-451D-8D2B-608A98EFEDFA}"/>
-              </a:ext>
-            </a:extLst>
-          </p:cNvPr>
-          <p:cNvSpPr>
-            <a:spLocks noGrp="1"/>
-          </p:cNvSpPr>
-          <p:nvPr>
-            <p:ph idx="1"/>
-          </p:nvPr>
-        </p:nvSpPr>
-        <p:spPr/>
-        <p:txBody>
-          <a:bodyPr/>
-          <a:lstStyle/>
-          <a:p>
-            <a:r>
-              <a:rPr lang="en-US" dirty="0" err="1"/>
-              <a:t>Fuctionalities</a:t>
-            </a:r>
-            <a:r>
-              <a:rPr lang="en-US" dirty="0"/>
-              <a:t>: time delay, Light </a:t>
-            </a:r>
-            <a:r>
-              <a:rPr lang="en-US" dirty="0" err="1"/>
-              <a:t>Dependant</a:t>
-            </a:r>
-            <a:r>
-              <a:rPr lang="en-US" dirty="0"/>
-              <a:t> Resistor</a:t>
-            </a:r>
-          </a:p>
-          <a:p>
-            <a:r>
-              <a:rPr lang="en-US" dirty="0"/>
-              <a:t>Operating Voltage</a:t>
-            </a:r>
-          </a:p>
-          <a:p>
-            <a:r>
-              <a:rPr lang="en-US" dirty="0"/>
-              <a:t>Use Infrared Mechanism</a:t>
-            </a:r>
-          </a:p>
-        </p:txBody>
-      </p:sp>
-    </p:spTree>
-    <p:extLst>
-      <p:ext uri="{BB962C8B-B14F-4D97-AF65-F5344CB8AC3E}">
-        <p14:creationId xmlns:p14="http://schemas.microsoft.com/office/powerpoint/2010/main" val="4163473376"/>
       </p:ext>
     </p:extLst>
   </p:cSld>

--- a/Other-Files/PIR-motion-sensor.pptx
+++ b/Other-Files/PIR-motion-sensor.pptx
@@ -4021,7 +4021,7 @@
         </p:blipFill>
         <p:spPr bwMode="auto">
           <a:xfrm>
-            <a:off x="2197144" y="2714227"/>
+            <a:off x="2124716" y="2809288"/>
             <a:ext cx="2074201" cy="3388995"/>
           </a:xfrm>
           <a:prstGeom prst="rect">
